--- a/webdiary만들기/웹프로그래밍과제.pptx
+++ b/webdiary만들기/웹프로그래밍과제.pptx
@@ -5,7 +5,7 @@
     <p:sldMasterId id="2147483648" r:id="rId1"/>
   </p:sldMasterIdLst>
   <p:notesMasterIdLst>
-    <p:notesMasterId r:id="rId7"/>
+    <p:notesMasterId r:id="rId8"/>
   </p:notesMasterIdLst>
   <p:sldIdLst>
     <p:sldId id="256" r:id="rId2"/>
@@ -13,6 +13,7 @@
     <p:sldId id="258" r:id="rId4"/>
     <p:sldId id="259" r:id="rId5"/>
     <p:sldId id="260" r:id="rId6"/>
+    <p:sldId id="261" r:id="rId7"/>
   </p:sldIdLst>
   <p:sldSz cx="12192000" cy="6858000"/>
   <p:notesSz cx="6858000" cy="9144000"/>
@@ -201,7 +202,7 @@
           <a:p>
             <a:fld id="{BDC95102-C6F4-154C-889C-80C09DFC33CF}" type="datetimeFigureOut">
               <a:rPr kumimoji="1" lang="ko-KR" altLang="en-US" smtClean="0"/>
-              <a:t>2017. 5. 25.</a:t>
+              <a:t>2017. 5. 29.</a:t>
             </a:fld>
             <a:endParaRPr kumimoji="1" lang="ko-KR" altLang="en-US"/>
           </a:p>
@@ -600,7 +601,7 @@
           <a:p>
             <a:fld id="{D4D90BA9-01BB-B04E-AD3D-2A8EDDEF1E24}" type="datetimeFigureOut">
               <a:rPr kumimoji="1" lang="ko-KR" altLang="en-US" smtClean="0"/>
-              <a:t>2017. 5. 25.</a:t>
+              <a:t>2017. 5. 29.</a:t>
             </a:fld>
             <a:endParaRPr kumimoji="1" lang="ko-KR" altLang="en-US"/>
           </a:p>
@@ -770,7 +771,7 @@
           <a:p>
             <a:fld id="{D4D90BA9-01BB-B04E-AD3D-2A8EDDEF1E24}" type="datetimeFigureOut">
               <a:rPr kumimoji="1" lang="ko-KR" altLang="en-US" smtClean="0"/>
-              <a:t>2017. 5. 25.</a:t>
+              <a:t>2017. 5. 29.</a:t>
             </a:fld>
             <a:endParaRPr kumimoji="1" lang="ko-KR" altLang="en-US"/>
           </a:p>
@@ -950,7 +951,7 @@
           <a:p>
             <a:fld id="{D4D90BA9-01BB-B04E-AD3D-2A8EDDEF1E24}" type="datetimeFigureOut">
               <a:rPr kumimoji="1" lang="ko-KR" altLang="en-US" smtClean="0"/>
-              <a:t>2017. 5. 25.</a:t>
+              <a:t>2017. 5. 29.</a:t>
             </a:fld>
             <a:endParaRPr kumimoji="1" lang="ko-KR" altLang="en-US"/>
           </a:p>
@@ -1120,7 +1121,7 @@
           <a:p>
             <a:fld id="{D4D90BA9-01BB-B04E-AD3D-2A8EDDEF1E24}" type="datetimeFigureOut">
               <a:rPr kumimoji="1" lang="ko-KR" altLang="en-US" smtClean="0"/>
-              <a:t>2017. 5. 25.</a:t>
+              <a:t>2017. 5. 29.</a:t>
             </a:fld>
             <a:endParaRPr kumimoji="1" lang="ko-KR" altLang="en-US"/>
           </a:p>
@@ -1366,7 +1367,7 @@
           <a:p>
             <a:fld id="{D4D90BA9-01BB-B04E-AD3D-2A8EDDEF1E24}" type="datetimeFigureOut">
               <a:rPr kumimoji="1" lang="ko-KR" altLang="en-US" smtClean="0"/>
-              <a:t>2017. 5. 25.</a:t>
+              <a:t>2017. 5. 29.</a:t>
             </a:fld>
             <a:endParaRPr kumimoji="1" lang="ko-KR" altLang="en-US"/>
           </a:p>
@@ -1598,7 +1599,7 @@
           <a:p>
             <a:fld id="{D4D90BA9-01BB-B04E-AD3D-2A8EDDEF1E24}" type="datetimeFigureOut">
               <a:rPr kumimoji="1" lang="ko-KR" altLang="en-US" smtClean="0"/>
-              <a:t>2017. 5. 25.</a:t>
+              <a:t>2017. 5. 29.</a:t>
             </a:fld>
             <a:endParaRPr kumimoji="1" lang="ko-KR" altLang="en-US"/>
           </a:p>
@@ -1965,7 +1966,7 @@
           <a:p>
             <a:fld id="{D4D90BA9-01BB-B04E-AD3D-2A8EDDEF1E24}" type="datetimeFigureOut">
               <a:rPr kumimoji="1" lang="ko-KR" altLang="en-US" smtClean="0"/>
-              <a:t>2017. 5. 25.</a:t>
+              <a:t>2017. 5. 29.</a:t>
             </a:fld>
             <a:endParaRPr kumimoji="1" lang="ko-KR" altLang="en-US"/>
           </a:p>
@@ -2083,7 +2084,7 @@
           <a:p>
             <a:fld id="{D4D90BA9-01BB-B04E-AD3D-2A8EDDEF1E24}" type="datetimeFigureOut">
               <a:rPr kumimoji="1" lang="ko-KR" altLang="en-US" smtClean="0"/>
-              <a:t>2017. 5. 25.</a:t>
+              <a:t>2017. 5. 29.</a:t>
             </a:fld>
             <a:endParaRPr kumimoji="1" lang="ko-KR" altLang="en-US"/>
           </a:p>
@@ -2178,7 +2179,7 @@
           <a:p>
             <a:fld id="{D4D90BA9-01BB-B04E-AD3D-2A8EDDEF1E24}" type="datetimeFigureOut">
               <a:rPr kumimoji="1" lang="ko-KR" altLang="en-US" smtClean="0"/>
-              <a:t>2017. 5. 25.</a:t>
+              <a:t>2017. 5. 29.</a:t>
             </a:fld>
             <a:endParaRPr kumimoji="1" lang="ko-KR" altLang="en-US"/>
           </a:p>
@@ -2455,7 +2456,7 @@
           <a:p>
             <a:fld id="{D4D90BA9-01BB-B04E-AD3D-2A8EDDEF1E24}" type="datetimeFigureOut">
               <a:rPr kumimoji="1" lang="ko-KR" altLang="en-US" smtClean="0"/>
-              <a:t>2017. 5. 25.</a:t>
+              <a:t>2017. 5. 29.</a:t>
             </a:fld>
             <a:endParaRPr kumimoji="1" lang="ko-KR" altLang="en-US"/>
           </a:p>
@@ -2708,7 +2709,7 @@
           <a:p>
             <a:fld id="{D4D90BA9-01BB-B04E-AD3D-2A8EDDEF1E24}" type="datetimeFigureOut">
               <a:rPr kumimoji="1" lang="ko-KR" altLang="en-US" smtClean="0"/>
-              <a:t>2017. 5. 25.</a:t>
+              <a:t>2017. 5. 29.</a:t>
             </a:fld>
             <a:endParaRPr kumimoji="1" lang="ko-KR" altLang="en-US"/>
           </a:p>
@@ -2921,7 +2922,7 @@
           <a:p>
             <a:fld id="{D4D90BA9-01BB-B04E-AD3D-2A8EDDEF1E24}" type="datetimeFigureOut">
               <a:rPr kumimoji="1" lang="ko-KR" altLang="en-US" smtClean="0"/>
-              <a:t>2017. 5. 25.</a:t>
+              <a:t>2017. 5. 29.</a:t>
             </a:fld>
             <a:endParaRPr kumimoji="1" lang="ko-KR" altLang="en-US"/>
           </a:p>
@@ -3848,34 +3849,7 @@
               <a:rPr kumimoji="1" lang="en-US" altLang="ko-KR" dirty="0" smtClean="0"/>
               <a:t>.</a:t>
             </a:r>
-          </a:p>
-          <a:p>
-            <a:endParaRPr kumimoji="1" lang="en-US" altLang="ko-KR" dirty="0"/>
-          </a:p>
-          <a:p>
-            <a:r>
-              <a:rPr kumimoji="1" lang="en-US" altLang="ko-KR" dirty="0" smtClean="0"/>
-              <a:t>---</a:t>
-            </a:r>
-          </a:p>
-          <a:p>
-            <a:r>
-              <a:rPr kumimoji="1" lang="ko-KR" altLang="en-US" dirty="0" smtClean="0"/>
-              <a:t>상대경로와 절대경로에 대해서</a:t>
-            </a:r>
-            <a:r>
-              <a:rPr kumimoji="1" lang="en-US" altLang="ko-KR" dirty="0" smtClean="0"/>
-              <a:t>,</a:t>
-            </a:r>
-            <a:r>
-              <a:rPr kumimoji="1" lang="ko-KR" altLang="en-US" dirty="0" smtClean="0"/>
-              <a:t> 확실한 이해가 필요하였습니다</a:t>
-            </a:r>
-            <a:r>
-              <a:rPr kumimoji="1" lang="en-US" altLang="ko-KR" dirty="0" smtClean="0"/>
-              <a:t>.</a:t>
-            </a:r>
-            <a:endParaRPr kumimoji="1" lang="ko-KR" altLang="en-US" dirty="0"/>
+            <a:endParaRPr kumimoji="1" lang="en-US" altLang="ko-KR" dirty="0" smtClean="0"/>
           </a:p>
         </p:txBody>
       </p:sp>
@@ -4033,11 +4007,7 @@
             </a:r>
             <a:r>
               <a:rPr kumimoji="1" lang="ko-KR" altLang="en-US" dirty="0" smtClean="0"/>
-              <a:t>안에 </a:t>
-            </a:r>
-            <a:r>
-              <a:rPr kumimoji="1" lang="ko-KR" altLang="en-US" dirty="0" smtClean="0"/>
-              <a:t>만들어 주었습니다</a:t>
+              <a:t>안에 만들어 주었습니다</a:t>
             </a:r>
             <a:r>
               <a:rPr kumimoji="1" lang="en-US" altLang="ko-KR" dirty="0" smtClean="0"/>
@@ -4070,6 +4040,38 @@
             <a:r>
               <a:rPr kumimoji="1" lang="ko-KR" altLang="en-US" dirty="0" smtClean="0"/>
               <a:t> </a:t>
+            </a:r>
+            <a:r>
+              <a:rPr kumimoji="1" lang="ko-KR" altLang="en-US" dirty="0" smtClean="0"/>
+              <a:t>우선 </a:t>
+            </a:r>
+            <a:r>
+              <a:rPr kumimoji="1" lang="en-US" altLang="ko-KR" dirty="0" smtClean="0"/>
+              <a:t>firebase</a:t>
+            </a:r>
+            <a:r>
+              <a:rPr kumimoji="1" lang="ko-KR" altLang="en-US" dirty="0" smtClean="0"/>
+              <a:t>를 먼저 이해한 뒤에</a:t>
+            </a:r>
+            <a:r>
+              <a:rPr kumimoji="1" lang="en-US" altLang="ko-KR" dirty="0" smtClean="0"/>
+              <a:t>,</a:t>
+            </a:r>
+            <a:r>
+              <a:rPr kumimoji="1" lang="ko-KR" altLang="en-US" dirty="0" smtClean="0"/>
+              <a:t> </a:t>
+            </a:r>
+            <a:r>
+              <a:rPr kumimoji="1" lang="en-US" altLang="ko-KR" dirty="0" err="1" smtClean="0"/>
+              <a:t>ckeditor</a:t>
+            </a:r>
+            <a:r>
+              <a:rPr kumimoji="1" lang="ko-KR" altLang="en-US" dirty="0" smtClean="0"/>
+              <a:t>의 데이터를 저장해주는 방식으로 진행하기로 하였습니다</a:t>
+            </a:r>
+            <a:r>
+              <a:rPr kumimoji="1" lang="en-US" altLang="ko-KR" dirty="0" smtClean="0"/>
+              <a:t>.</a:t>
             </a:r>
             <a:endParaRPr kumimoji="1" lang="ko-KR" altLang="en-US" dirty="0"/>
           </a:p>
@@ -4130,11 +4132,7 @@
             </a:r>
             <a:r>
               <a:rPr kumimoji="1" lang="en-US" altLang="ko-KR" dirty="0" smtClean="0"/>
-              <a:t>	</a:t>
-            </a:r>
-            <a:r>
-              <a:rPr kumimoji="1" lang="en-US" altLang="ko-KR" dirty="0" smtClean="0"/>
-              <a:t>	</a:t>
+              <a:t>		</a:t>
             </a:r>
             <a:endParaRPr kumimoji="1" lang="ko-KR" altLang="en-US" dirty="0"/>
           </a:p>
@@ -4196,13 +4194,126 @@
               <a:t>.</a:t>
             </a:r>
             <a:r>
-              <a:rPr kumimoji="1" lang="ko-KR" altLang="en-US" smtClean="0"/>
-              <a:t>  </a:t>
-            </a:r>
-            <a:r>
-              <a:rPr kumimoji="1" lang="ko-KR" altLang="en-US" smtClean="0"/>
+              <a:rPr kumimoji="1" lang="ko-KR" altLang="en-US" dirty="0" smtClean="0"/>
               <a:t> </a:t>
             </a:r>
+            <a:r>
+              <a:rPr kumimoji="1" lang="ko-KR" altLang="en-US" dirty="0" smtClean="0"/>
+              <a:t>그래서 겨우겨우 찾은 강좌가 인프런이란 사이트에 나와있는 간단한 메모 만드는 강의였습니다</a:t>
+            </a:r>
+            <a:r>
+              <a:rPr kumimoji="1" lang="en-US" altLang="ko-KR" dirty="0" smtClean="0"/>
+              <a:t>. </a:t>
+            </a:r>
+            <a:r>
+              <a:rPr kumimoji="1" lang="ko-KR" altLang="en-US" dirty="0" smtClean="0"/>
+              <a:t>주소는 다음과 같습니다</a:t>
+            </a:r>
+            <a:r>
+              <a:rPr kumimoji="1" lang="en-US" altLang="ko-KR" dirty="0" smtClean="0"/>
+              <a:t>.</a:t>
+            </a:r>
+            <a:endParaRPr kumimoji="1" lang="en-US" altLang="ko-KR" dirty="0" smtClean="0"/>
+          </a:p>
+          <a:p>
+            <a:r>
+              <a:rPr kumimoji="1" lang="mr-IN" altLang="ko-KR" dirty="0">
+                <a:hlinkClick r:id="rId2"/>
+              </a:rPr>
+              <a:t>https://www.inflearn.com/course</a:t>
+            </a:r>
+            <a:r>
+              <a:rPr kumimoji="1" lang="mr-IN" altLang="ko-KR" dirty="0" smtClean="0">
+                <a:hlinkClick r:id="rId2"/>
+              </a:rPr>
+              <a:t>/</a:t>
+            </a:r>
+            <a:r>
+              <a:rPr kumimoji="1" lang="ko-KR" altLang="en-US" dirty="0" smtClean="0">
+                <a:hlinkClick r:id="rId2"/>
+              </a:rPr>
+              <a:t>파이어베이스</a:t>
+            </a:r>
+            <a:r>
+              <a:rPr kumimoji="1" lang="en-US" altLang="ko-KR" dirty="0" smtClean="0">
+                <a:hlinkClick r:id="rId2"/>
+              </a:rPr>
+              <a:t>-</a:t>
+            </a:r>
+            <a:r>
+              <a:rPr kumimoji="1" lang="ko-KR" altLang="en-US" dirty="0" smtClean="0">
+                <a:hlinkClick r:id="rId2"/>
+              </a:rPr>
+              <a:t>강좌</a:t>
+            </a:r>
+            <a:r>
+              <a:rPr kumimoji="1" lang="en-US" altLang="ko-KR" dirty="0" smtClean="0">
+                <a:hlinkClick r:id="rId2"/>
+              </a:rPr>
+              <a:t>-</a:t>
+            </a:r>
+            <a:r>
+              <a:rPr kumimoji="1" lang="ko-KR" altLang="en-US" dirty="0" smtClean="0">
+                <a:hlinkClick r:id="rId2"/>
+              </a:rPr>
+              <a:t>웹</a:t>
+            </a:r>
+            <a:r>
+              <a:rPr kumimoji="1" lang="en-US" altLang="ko-KR" dirty="0" smtClean="0">
+                <a:hlinkClick r:id="rId2"/>
+              </a:rPr>
+              <a:t>-</a:t>
+            </a:r>
+            <a:r>
+              <a:rPr kumimoji="1" lang="ko-KR" altLang="en-US" dirty="0" smtClean="0">
+                <a:hlinkClick r:id="rId2"/>
+              </a:rPr>
+              <a:t>어플리케이션</a:t>
+            </a:r>
+            <a:r>
+              <a:rPr kumimoji="1" lang="en-US" altLang="ko-KR" dirty="0" smtClean="0">
+                <a:hlinkClick r:id="rId2"/>
+              </a:rPr>
+              <a:t>/</a:t>
+            </a:r>
+            <a:endParaRPr kumimoji="1" lang="en-US" altLang="ko-KR" dirty="0" smtClean="0"/>
+          </a:p>
+          <a:p>
+            <a:r>
+              <a:rPr kumimoji="1" lang="en-US" altLang="ko-KR" dirty="0"/>
+              <a:t> </a:t>
+            </a:r>
+            <a:r>
+              <a:rPr kumimoji="1" lang="ko-KR" altLang="en-US" dirty="0" smtClean="0"/>
+              <a:t>강좌대로 따라하긴 해서 메모웹을 만들어보았지만</a:t>
+            </a:r>
+            <a:r>
+              <a:rPr kumimoji="1" lang="en-US" altLang="ko-KR" dirty="0" smtClean="0"/>
+              <a:t>,</a:t>
+            </a:r>
+            <a:r>
+              <a:rPr kumimoji="1" lang="ko-KR" altLang="en-US" dirty="0"/>
+              <a:t> </a:t>
+            </a:r>
+            <a:r>
+              <a:rPr kumimoji="1" lang="ko-KR" altLang="en-US" dirty="0" smtClean="0"/>
+              <a:t>여전히 어려웠습니다</a:t>
+            </a:r>
+            <a:r>
+              <a:rPr kumimoji="1" lang="en-US" altLang="ko-KR" dirty="0" smtClean="0"/>
+              <a:t>.</a:t>
+            </a:r>
+          </a:p>
+          <a:p>
+            <a:endParaRPr kumimoji="1" lang="en-US" altLang="ko-KR" dirty="0" smtClean="0"/>
+          </a:p>
+          <a:p>
+            <a:endParaRPr kumimoji="1" lang="en-US" altLang="ko-KR" dirty="0" smtClean="0"/>
+          </a:p>
+          <a:p>
+            <a:endParaRPr kumimoji="1" lang="en-US" altLang="ko-KR" dirty="0"/>
+          </a:p>
+          <a:p>
             <a:endParaRPr kumimoji="1" lang="ko-KR" altLang="en-US" dirty="0"/>
           </a:p>
         </p:txBody>
@@ -4211,6 +4322,74 @@
     <p:extLst>
       <p:ext uri="{BB962C8B-B14F-4D97-AF65-F5344CB8AC3E}">
         <p14:creationId xmlns:p14="http://schemas.microsoft.com/office/powerpoint/2010/main" val="1504267158"/>
+      </p:ext>
+    </p:extLst>
+  </p:cSld>
+  <p:clrMapOvr>
+    <a:masterClrMapping/>
+  </p:clrMapOvr>
+</p:sld>
+</file>
+
+<file path=ppt/slides/slide6.xml><?xml version="1.0" encoding="utf-8"?>
+<p:sld xmlns:a="http://schemas.openxmlformats.org/drawingml/2006/main" xmlns:r="http://schemas.openxmlformats.org/officeDocument/2006/relationships" xmlns:p="http://schemas.openxmlformats.org/presentationml/2006/main">
+  <p:cSld>
+    <p:spTree>
+      <p:nvGrpSpPr>
+        <p:cNvPr id="1" name=""/>
+        <p:cNvGrpSpPr/>
+        <p:nvPr/>
+      </p:nvGrpSpPr>
+      <p:grpSpPr>
+        <a:xfrm>
+          <a:off x="0" y="0"/>
+          <a:ext cx="0" cy="0"/>
+          <a:chOff x="0" y="0"/>
+          <a:chExt cx="0" cy="0"/>
+        </a:xfrm>
+      </p:grpSpPr>
+      <p:sp>
+        <p:nvSpPr>
+          <p:cNvPr id="2" name="제목 1"/>
+          <p:cNvSpPr>
+            <a:spLocks noGrp="1"/>
+          </p:cNvSpPr>
+          <p:nvPr>
+            <p:ph type="title"/>
+          </p:nvPr>
+        </p:nvSpPr>
+        <p:spPr/>
+        <p:txBody>
+          <a:bodyPr/>
+          <a:lstStyle/>
+          <a:p>
+            <a:endParaRPr kumimoji="1" lang="ko-KR" altLang="en-US"/>
+          </a:p>
+        </p:txBody>
+      </p:sp>
+      <p:sp>
+        <p:nvSpPr>
+          <p:cNvPr id="3" name="내용 개체 틀 2"/>
+          <p:cNvSpPr>
+            <a:spLocks noGrp="1"/>
+          </p:cNvSpPr>
+          <p:nvPr>
+            <p:ph idx="1"/>
+          </p:nvPr>
+        </p:nvSpPr>
+        <p:spPr/>
+        <p:txBody>
+          <a:bodyPr/>
+          <a:lstStyle/>
+          <a:p>
+            <a:endParaRPr kumimoji="1" lang="ko-KR" altLang="en-US"/>
+          </a:p>
+        </p:txBody>
+      </p:sp>
+    </p:spTree>
+    <p:extLst>
+      <p:ext uri="{BB962C8B-B14F-4D97-AF65-F5344CB8AC3E}">
+        <p14:creationId xmlns:p14="http://schemas.microsoft.com/office/powerpoint/2010/main" val="2101348445"/>
       </p:ext>
     </p:extLst>
   </p:cSld>

--- a/webdiary만들기/웹프로그래밍과제.pptx
+++ b/webdiary만들기/웹프로그래밍과제.pptx
@@ -5,7 +5,7 @@
     <p:sldMasterId id="2147483648" r:id="rId1"/>
   </p:sldMasterIdLst>
   <p:notesMasterIdLst>
-    <p:notesMasterId r:id="rId8"/>
+    <p:notesMasterId r:id="rId13"/>
   </p:notesMasterIdLst>
   <p:sldIdLst>
     <p:sldId id="256" r:id="rId2"/>
@@ -14,6 +14,11 @@
     <p:sldId id="259" r:id="rId5"/>
     <p:sldId id="260" r:id="rId6"/>
     <p:sldId id="261" r:id="rId7"/>
+    <p:sldId id="262" r:id="rId8"/>
+    <p:sldId id="263" r:id="rId9"/>
+    <p:sldId id="264" r:id="rId10"/>
+    <p:sldId id="265" r:id="rId11"/>
+    <p:sldId id="266" r:id="rId12"/>
   </p:sldIdLst>
   <p:sldSz cx="12192000" cy="6858000"/>
   <p:notesSz cx="6858000" cy="9144000"/>
@@ -202,7 +207,7 @@
           <a:p>
             <a:fld id="{BDC95102-C6F4-154C-889C-80C09DFC33CF}" type="datetimeFigureOut">
               <a:rPr kumimoji="1" lang="ko-KR" altLang="en-US" smtClean="0"/>
-              <a:t>2017. 5. 29.</a:t>
+              <a:t>2017. 6. 6.</a:t>
             </a:fld>
             <a:endParaRPr kumimoji="1" lang="ko-KR" altLang="en-US"/>
           </a:p>
@@ -601,7 +606,7 @@
           <a:p>
             <a:fld id="{D4D90BA9-01BB-B04E-AD3D-2A8EDDEF1E24}" type="datetimeFigureOut">
               <a:rPr kumimoji="1" lang="ko-KR" altLang="en-US" smtClean="0"/>
-              <a:t>2017. 5. 29.</a:t>
+              <a:t>2017. 6. 6.</a:t>
             </a:fld>
             <a:endParaRPr kumimoji="1" lang="ko-KR" altLang="en-US"/>
           </a:p>
@@ -771,7 +776,7 @@
           <a:p>
             <a:fld id="{D4D90BA9-01BB-B04E-AD3D-2A8EDDEF1E24}" type="datetimeFigureOut">
               <a:rPr kumimoji="1" lang="ko-KR" altLang="en-US" smtClean="0"/>
-              <a:t>2017. 5. 29.</a:t>
+              <a:t>2017. 6. 6.</a:t>
             </a:fld>
             <a:endParaRPr kumimoji="1" lang="ko-KR" altLang="en-US"/>
           </a:p>
@@ -951,7 +956,7 @@
           <a:p>
             <a:fld id="{D4D90BA9-01BB-B04E-AD3D-2A8EDDEF1E24}" type="datetimeFigureOut">
               <a:rPr kumimoji="1" lang="ko-KR" altLang="en-US" smtClean="0"/>
-              <a:t>2017. 5. 29.</a:t>
+              <a:t>2017. 6. 6.</a:t>
             </a:fld>
             <a:endParaRPr kumimoji="1" lang="ko-KR" altLang="en-US"/>
           </a:p>
@@ -1121,7 +1126,7 @@
           <a:p>
             <a:fld id="{D4D90BA9-01BB-B04E-AD3D-2A8EDDEF1E24}" type="datetimeFigureOut">
               <a:rPr kumimoji="1" lang="ko-KR" altLang="en-US" smtClean="0"/>
-              <a:t>2017. 5. 29.</a:t>
+              <a:t>2017. 6. 6.</a:t>
             </a:fld>
             <a:endParaRPr kumimoji="1" lang="ko-KR" altLang="en-US"/>
           </a:p>
@@ -1367,7 +1372,7 @@
           <a:p>
             <a:fld id="{D4D90BA9-01BB-B04E-AD3D-2A8EDDEF1E24}" type="datetimeFigureOut">
               <a:rPr kumimoji="1" lang="ko-KR" altLang="en-US" smtClean="0"/>
-              <a:t>2017. 5. 29.</a:t>
+              <a:t>2017. 6. 6.</a:t>
             </a:fld>
             <a:endParaRPr kumimoji="1" lang="ko-KR" altLang="en-US"/>
           </a:p>
@@ -1599,7 +1604,7 @@
           <a:p>
             <a:fld id="{D4D90BA9-01BB-B04E-AD3D-2A8EDDEF1E24}" type="datetimeFigureOut">
               <a:rPr kumimoji="1" lang="ko-KR" altLang="en-US" smtClean="0"/>
-              <a:t>2017. 5. 29.</a:t>
+              <a:t>2017. 6. 6.</a:t>
             </a:fld>
             <a:endParaRPr kumimoji="1" lang="ko-KR" altLang="en-US"/>
           </a:p>
@@ -1966,7 +1971,7 @@
           <a:p>
             <a:fld id="{D4D90BA9-01BB-B04E-AD3D-2A8EDDEF1E24}" type="datetimeFigureOut">
               <a:rPr kumimoji="1" lang="ko-KR" altLang="en-US" smtClean="0"/>
-              <a:t>2017. 5. 29.</a:t>
+              <a:t>2017. 6. 6.</a:t>
             </a:fld>
             <a:endParaRPr kumimoji="1" lang="ko-KR" altLang="en-US"/>
           </a:p>
@@ -2084,7 +2089,7 @@
           <a:p>
             <a:fld id="{D4D90BA9-01BB-B04E-AD3D-2A8EDDEF1E24}" type="datetimeFigureOut">
               <a:rPr kumimoji="1" lang="ko-KR" altLang="en-US" smtClean="0"/>
-              <a:t>2017. 5. 29.</a:t>
+              <a:t>2017. 6. 6.</a:t>
             </a:fld>
             <a:endParaRPr kumimoji="1" lang="ko-KR" altLang="en-US"/>
           </a:p>
@@ -2179,7 +2184,7 @@
           <a:p>
             <a:fld id="{D4D90BA9-01BB-B04E-AD3D-2A8EDDEF1E24}" type="datetimeFigureOut">
               <a:rPr kumimoji="1" lang="ko-KR" altLang="en-US" smtClean="0"/>
-              <a:t>2017. 5. 29.</a:t>
+              <a:t>2017. 6. 6.</a:t>
             </a:fld>
             <a:endParaRPr kumimoji="1" lang="ko-KR" altLang="en-US"/>
           </a:p>
@@ -2456,7 +2461,7 @@
           <a:p>
             <a:fld id="{D4D90BA9-01BB-B04E-AD3D-2A8EDDEF1E24}" type="datetimeFigureOut">
               <a:rPr kumimoji="1" lang="ko-KR" altLang="en-US" smtClean="0"/>
-              <a:t>2017. 5. 29.</a:t>
+              <a:t>2017. 6. 6.</a:t>
             </a:fld>
             <a:endParaRPr kumimoji="1" lang="ko-KR" altLang="en-US"/>
           </a:p>
@@ -2709,7 +2714,7 @@
           <a:p>
             <a:fld id="{D4D90BA9-01BB-B04E-AD3D-2A8EDDEF1E24}" type="datetimeFigureOut">
               <a:rPr kumimoji="1" lang="ko-KR" altLang="en-US" smtClean="0"/>
-              <a:t>2017. 5. 29.</a:t>
+              <a:t>2017. 6. 6.</a:t>
             </a:fld>
             <a:endParaRPr kumimoji="1" lang="ko-KR" altLang="en-US"/>
           </a:p>
@@ -2922,7 +2927,7 @@
           <a:p>
             <a:fld id="{D4D90BA9-01BB-B04E-AD3D-2A8EDDEF1E24}" type="datetimeFigureOut">
               <a:rPr kumimoji="1" lang="ko-KR" altLang="en-US" smtClean="0"/>
-              <a:t>2017. 5. 29.</a:t>
+              <a:t>2017. 6. 6.</a:t>
             </a:fld>
             <a:endParaRPr kumimoji="1" lang="ko-KR" altLang="en-US"/>
           </a:p>
@@ -3402,6 +3407,208 @@
 </p:sld>
 </file>
 
+<file path=ppt/slides/slide10.xml><?xml version="1.0" encoding="utf-8"?>
+<p:sld xmlns:a="http://schemas.openxmlformats.org/drawingml/2006/main" xmlns:r="http://schemas.openxmlformats.org/officeDocument/2006/relationships" xmlns:p="http://schemas.openxmlformats.org/presentationml/2006/main">
+  <p:cSld>
+    <p:spTree>
+      <p:nvGrpSpPr>
+        <p:cNvPr id="1" name=""/>
+        <p:cNvGrpSpPr/>
+        <p:nvPr/>
+      </p:nvGrpSpPr>
+      <p:grpSpPr>
+        <a:xfrm>
+          <a:off x="0" y="0"/>
+          <a:ext cx="0" cy="0"/>
+          <a:chOff x="0" y="0"/>
+          <a:chExt cx="0" cy="0"/>
+        </a:xfrm>
+      </p:grpSpPr>
+      <p:sp>
+        <p:nvSpPr>
+          <p:cNvPr id="2" name="제목 1"/>
+          <p:cNvSpPr>
+            <a:spLocks noGrp="1"/>
+          </p:cNvSpPr>
+          <p:nvPr>
+            <p:ph type="title"/>
+          </p:nvPr>
+        </p:nvSpPr>
+        <p:spPr/>
+        <p:txBody>
+          <a:bodyPr/>
+          <a:lstStyle/>
+          <a:p>
+            <a:r>
+              <a:rPr kumimoji="1" lang="en-US" altLang="ko-KR" dirty="0" smtClean="0"/>
+              <a:t>3.</a:t>
+            </a:r>
+            <a:r>
+              <a:rPr kumimoji="1" lang="ko-KR" altLang="en-US" dirty="0" smtClean="0"/>
+              <a:t> 동영상 업로드 </a:t>
+            </a:r>
+            <a:r>
+              <a:rPr kumimoji="1" lang="mr-IN" altLang="ko-KR" dirty="0" smtClean="0"/>
+              <a:t>–</a:t>
+            </a:r>
+            <a:r>
+              <a:rPr kumimoji="1" lang="ko-KR" altLang="en-US" dirty="0" smtClean="0"/>
+              <a:t> </a:t>
+            </a:r>
+            <a:r>
+              <a:rPr kumimoji="1" lang="en-US" altLang="ko-KR" dirty="0" err="1" smtClean="0"/>
+              <a:t>youtube</a:t>
+            </a:r>
+            <a:r>
+              <a:rPr kumimoji="1" lang="ko-KR" altLang="en-US" dirty="0" smtClean="0"/>
+              <a:t> </a:t>
+            </a:r>
+            <a:r>
+              <a:rPr kumimoji="1" lang="en-US" altLang="ko-KR" dirty="0" smtClean="0"/>
+              <a:t>plugin</a:t>
+            </a:r>
+            <a:r>
+              <a:rPr kumimoji="1" lang="ko-KR" altLang="en-US" dirty="0" smtClean="0"/>
+              <a:t> 적용하기</a:t>
+            </a:r>
+            <a:endParaRPr kumimoji="1" lang="ko-KR" altLang="en-US" dirty="0"/>
+          </a:p>
+        </p:txBody>
+      </p:sp>
+      <p:sp>
+        <p:nvSpPr>
+          <p:cNvPr id="6" name="내용 개체 틀 5"/>
+          <p:cNvSpPr>
+            <a:spLocks noGrp="1"/>
+          </p:cNvSpPr>
+          <p:nvPr>
+            <p:ph idx="1"/>
+          </p:nvPr>
+        </p:nvSpPr>
+        <p:spPr/>
+        <p:txBody>
+          <a:bodyPr/>
+          <a:lstStyle/>
+          <a:p>
+            <a:endParaRPr kumimoji="1" lang="en-US" altLang="ko-KR" dirty="0" smtClean="0"/>
+          </a:p>
+          <a:p>
+            <a:r>
+              <a:rPr kumimoji="1" lang="en-US" altLang="ko-KR" dirty="0">
+                <a:hlinkClick r:id="rId2"/>
+              </a:rPr>
+              <a:t>https://</a:t>
+            </a:r>
+            <a:r>
+              <a:rPr kumimoji="1" lang="en-US" altLang="ko-KR" dirty="0" smtClean="0">
+                <a:hlinkClick r:id="rId2"/>
+              </a:rPr>
+              <a:t>github.com/galetahub/ckeditor/issues/450</a:t>
+            </a:r>
+            <a:endParaRPr kumimoji="1" lang="en-US" altLang="ko-KR" dirty="0" smtClean="0"/>
+          </a:p>
+          <a:p>
+            <a:r>
+              <a:rPr kumimoji="1" lang="ko-KR" altLang="en-US" dirty="0" smtClean="0"/>
+              <a:t>며칠을 고생했는데도 제대로 실행되지 않아서</a:t>
+            </a:r>
+            <a:r>
+              <a:rPr kumimoji="1" lang="en-US" altLang="ko-KR" dirty="0" smtClean="0"/>
+              <a:t>,</a:t>
+            </a:r>
+            <a:r>
+              <a:rPr kumimoji="1" lang="ko-KR" altLang="en-US" dirty="0" smtClean="0"/>
+              <a:t> 어쩔 수 없이 이미지에 만족해야했습니다</a:t>
+            </a:r>
+            <a:r>
+              <a:rPr kumimoji="1" lang="en-US" altLang="ko-KR" dirty="0" smtClean="0"/>
+              <a:t>.</a:t>
+            </a:r>
+            <a:endParaRPr kumimoji="1" lang="ko-KR" altLang="en-US" dirty="0"/>
+          </a:p>
+        </p:txBody>
+      </p:sp>
+    </p:spTree>
+    <p:extLst>
+      <p:ext uri="{BB962C8B-B14F-4D97-AF65-F5344CB8AC3E}">
+        <p14:creationId xmlns:p14="http://schemas.microsoft.com/office/powerpoint/2010/main" val="1952809013"/>
+      </p:ext>
+    </p:extLst>
+  </p:cSld>
+  <p:clrMapOvr>
+    <a:masterClrMapping/>
+  </p:clrMapOvr>
+</p:sld>
+</file>
+
+<file path=ppt/slides/slide11.xml><?xml version="1.0" encoding="utf-8"?>
+<p:sld xmlns:a="http://schemas.openxmlformats.org/drawingml/2006/main" xmlns:r="http://schemas.openxmlformats.org/officeDocument/2006/relationships" xmlns:p="http://schemas.openxmlformats.org/presentationml/2006/main">
+  <p:cSld>
+    <p:spTree>
+      <p:nvGrpSpPr>
+        <p:cNvPr id="1" name=""/>
+        <p:cNvGrpSpPr/>
+        <p:nvPr/>
+      </p:nvGrpSpPr>
+      <p:grpSpPr>
+        <a:xfrm>
+          <a:off x="0" y="0"/>
+          <a:ext cx="0" cy="0"/>
+          <a:chOff x="0" y="0"/>
+          <a:chExt cx="0" cy="0"/>
+        </a:xfrm>
+      </p:grpSpPr>
+      <p:sp>
+        <p:nvSpPr>
+          <p:cNvPr id="2" name="제목 1"/>
+          <p:cNvSpPr>
+            <a:spLocks noGrp="1"/>
+          </p:cNvSpPr>
+          <p:nvPr>
+            <p:ph type="title"/>
+          </p:nvPr>
+        </p:nvSpPr>
+        <p:spPr/>
+        <p:txBody>
+          <a:bodyPr/>
+          <a:lstStyle/>
+          <a:p>
+            <a:endParaRPr kumimoji="1" lang="ko-KR" altLang="en-US" dirty="0"/>
+          </a:p>
+        </p:txBody>
+      </p:sp>
+      <p:sp>
+        <p:nvSpPr>
+          <p:cNvPr id="3" name="내용 개체 틀 2"/>
+          <p:cNvSpPr>
+            <a:spLocks noGrp="1"/>
+          </p:cNvSpPr>
+          <p:nvPr>
+            <p:ph idx="1"/>
+          </p:nvPr>
+        </p:nvSpPr>
+        <p:spPr/>
+        <p:txBody>
+          <a:bodyPr/>
+          <a:lstStyle/>
+          <a:p>
+            <a:endParaRPr kumimoji="1" lang="ko-KR" altLang="en-US"/>
+          </a:p>
+        </p:txBody>
+      </p:sp>
+    </p:spTree>
+    <p:extLst>
+      <p:ext uri="{BB962C8B-B14F-4D97-AF65-F5344CB8AC3E}">
+        <p14:creationId xmlns:p14="http://schemas.microsoft.com/office/powerpoint/2010/main" val="230698501"/>
+      </p:ext>
+    </p:extLst>
+  </p:cSld>
+  <p:clrMapOvr>
+    <a:masterClrMapping/>
+  </p:clrMapOvr>
+</p:sld>
+</file>
+
 <file path=ppt/slides/slide2.xml><?xml version="1.0" encoding="utf-8"?>
 <p:sld xmlns:a="http://schemas.openxmlformats.org/drawingml/2006/main" xmlns:r="http://schemas.openxmlformats.org/officeDocument/2006/relationships" xmlns:p="http://schemas.openxmlformats.org/presentationml/2006/main">
   <p:cSld>
@@ -3435,14 +3642,14 @@
           <a:lstStyle/>
           <a:p>
             <a:r>
-              <a:rPr kumimoji="1" lang="en-US" altLang="ko-KR" dirty="0" smtClean="0"/>
+              <a:rPr lang="en-US" altLang="ko-KR" dirty="0" smtClean="0"/>
               <a:t>1.</a:t>
             </a:r>
             <a:r>
-              <a:rPr kumimoji="1" lang="ko-KR" altLang="en-US" dirty="0" smtClean="0"/>
+              <a:rPr lang="ko-KR" altLang="en-US" dirty="0" smtClean="0"/>
               <a:t> 과제 분석</a:t>
             </a:r>
-            <a:endParaRPr kumimoji="1" lang="ko-KR" altLang="en-US" dirty="0"/>
+            <a:endParaRPr lang="ko-KR" altLang="en-US" dirty="0"/>
           </a:p>
         </p:txBody>
       </p:sp>
@@ -3463,260 +3670,213 @@
           </a:bodyPr>
           <a:lstStyle/>
           <a:p>
-            <a:r>
-              <a:rPr kumimoji="1" lang="ko-KR" altLang="en-US" dirty="0" smtClean="0"/>
-              <a:t>데모 </a:t>
-            </a:r>
-            <a:r>
-              <a:rPr kumimoji="1" lang="en-US" altLang="ko-KR" dirty="0" smtClean="0"/>
-              <a:t>ID/PWD</a:t>
-            </a:r>
-            <a:r>
-              <a:rPr kumimoji="1" lang="ko-KR" altLang="en-US" dirty="0" smtClean="0"/>
+            <a:endParaRPr lang="en-US" altLang="ko-KR" dirty="0" smtClean="0"/>
+          </a:p>
+          <a:p>
+            <a:r>
+              <a:rPr lang="ko-KR" altLang="en-US" dirty="0" smtClean="0"/>
+              <a:t>레이아웃 구성</a:t>
+            </a:r>
+            <a:r>
+              <a:rPr lang="en-US" altLang="ko-KR" dirty="0" smtClean="0"/>
+              <a:t>(</a:t>
+            </a:r>
+            <a:r>
+              <a:rPr lang="en-US" altLang="ko-KR" dirty="0" err="1" smtClean="0"/>
+              <a:t>Moboile</a:t>
+            </a:r>
+            <a:r>
+              <a:rPr lang="en-US" altLang="ko-KR" dirty="0" smtClean="0"/>
+              <a:t> &lt;-&gt; Other </a:t>
+            </a:r>
+            <a:r>
+              <a:rPr lang="ko-KR" altLang="en-US" dirty="0" smtClean="0"/>
+              <a:t>간 관계 등</a:t>
+            </a:r>
+            <a:r>
+              <a:rPr lang="en-US" altLang="ko-KR" dirty="0" smtClean="0"/>
+              <a:t>)</a:t>
+            </a:r>
+          </a:p>
+          <a:p>
+            <a:r>
+              <a:rPr lang="ko-KR" altLang="en-US" dirty="0" smtClean="0"/>
+              <a:t>기능 별 라이브러리 활용 내용 </a:t>
+            </a:r>
+            <a:endParaRPr lang="en-US" altLang="ko-KR" dirty="0" smtClean="0"/>
+          </a:p>
+          <a:p>
+            <a:r>
+              <a:rPr lang="en-US" altLang="ko-KR" dirty="0" smtClean="0"/>
+              <a:t>Firebase </a:t>
+            </a:r>
+            <a:r>
+              <a:rPr lang="ko-KR" altLang="en-US" dirty="0" smtClean="0"/>
+              <a:t>내 다이어리 저장방식</a:t>
+            </a:r>
+            <a:r>
+              <a:rPr lang="en-US" altLang="ko-KR" dirty="0" smtClean="0"/>
+              <a:t>,</a:t>
+            </a:r>
+            <a:r>
+              <a:rPr lang="ko-KR" altLang="en-US" dirty="0" smtClean="0"/>
+              <a:t> 이미지 저장 방식</a:t>
+            </a:r>
+            <a:endParaRPr lang="en-US" altLang="ko-KR" dirty="0" smtClean="0"/>
+          </a:p>
+          <a:p>
+            <a:r>
+              <a:rPr lang="ko-KR" altLang="en-US" dirty="0" smtClean="0"/>
+              <a:t>레이아웃 </a:t>
+            </a:r>
+            <a:r>
+              <a:rPr lang="mr-IN" altLang="ko-KR" dirty="0" smtClean="0"/>
+              <a:t>–</a:t>
+            </a:r>
+            <a:r>
+              <a:rPr lang="ko-KR" altLang="en-US" dirty="0" smtClean="0"/>
+              <a:t> 반응형</a:t>
+            </a:r>
+            <a:r>
+              <a:rPr lang="en-US" altLang="ko-KR" dirty="0" smtClean="0"/>
+              <a:t>,</a:t>
+            </a:r>
+            <a:r>
+              <a:rPr lang="ko-KR" altLang="en-US" dirty="0" smtClean="0"/>
               <a:t> </a:t>
             </a:r>
             <a:r>
-              <a:rPr kumimoji="1" lang="en-US" altLang="ko-KR" dirty="0" smtClean="0"/>
-              <a:t>5</a:t>
-            </a:r>
-            <a:r>
-              <a:rPr kumimoji="1" lang="ko-KR" altLang="en-US" dirty="0" smtClean="0"/>
-              <a:t>개</a:t>
-            </a:r>
-            <a:r>
-              <a:rPr kumimoji="1" lang="en-US" altLang="ko-KR" dirty="0" smtClean="0"/>
+              <a:rPr lang="en-US" altLang="ko-KR" dirty="0" err="1" smtClean="0"/>
+              <a:t>css</a:t>
+            </a:r>
+            <a:r>
+              <a:rPr lang="ko-KR" altLang="en-US" dirty="0" smtClean="0"/>
+              <a:t> </a:t>
+            </a:r>
+            <a:r>
+              <a:rPr lang="en-US" altLang="ko-KR" dirty="0" smtClean="0"/>
+              <a:t>Framework,</a:t>
+            </a:r>
+            <a:r>
+              <a:rPr lang="ko-KR" altLang="en-US" dirty="0" smtClean="0"/>
+              <a:t> 페이지 디자인 자유</a:t>
+            </a:r>
+            <a:endParaRPr lang="en-US" altLang="ko-KR" dirty="0" smtClean="0"/>
+          </a:p>
+          <a:p>
+            <a:r>
+              <a:rPr lang="ko-KR" altLang="en-US" dirty="0" smtClean="0"/>
+              <a:t>다이어리 </a:t>
+            </a:r>
+            <a:r>
+              <a:rPr lang="mr-IN" altLang="ko-KR" dirty="0" smtClean="0"/>
+              <a:t>–</a:t>
+            </a:r>
+            <a:r>
+              <a:rPr lang="ko-KR" altLang="en-US" dirty="0" smtClean="0"/>
+              <a:t> 작성</a:t>
+            </a:r>
+            <a:r>
+              <a:rPr lang="en-US" altLang="ko-KR" dirty="0" smtClean="0"/>
+              <a:t>-</a:t>
+            </a:r>
+            <a:r>
+              <a:rPr lang="ko-KR" altLang="en-US" dirty="0" smtClean="0"/>
+              <a:t>제목 </a:t>
+            </a:r>
+            <a:r>
+              <a:rPr lang="en-US" altLang="ko-KR" dirty="0" smtClean="0"/>
+              <a:t>/</a:t>
+            </a:r>
+            <a:r>
+              <a:rPr lang="ko-KR" altLang="en-US" dirty="0" smtClean="0"/>
+              <a:t>본문</a:t>
+            </a:r>
+            <a:r>
+              <a:rPr lang="en-US" altLang="ko-KR" dirty="0" smtClean="0"/>
+              <a:t>/</a:t>
+            </a:r>
+            <a:r>
+              <a:rPr lang="ko-KR" altLang="en-US" dirty="0" smtClean="0"/>
+              <a:t>작성일시</a:t>
+            </a:r>
+            <a:r>
+              <a:rPr lang="en-US" altLang="ko-KR" dirty="0" smtClean="0"/>
+              <a:t>/</a:t>
+            </a:r>
+            <a:r>
+              <a:rPr lang="ko-KR" altLang="en-US" dirty="0" smtClean="0"/>
+              <a:t>해시태그</a:t>
+            </a:r>
+            <a:endParaRPr lang="en-US" altLang="ko-KR" dirty="0" smtClean="0"/>
+          </a:p>
+          <a:p>
+            <a:r>
+              <a:rPr lang="ko-KR" altLang="en-US" dirty="0" smtClean="0"/>
+              <a:t>이미지 동영상 파일 첨부 가능</a:t>
+            </a:r>
+            <a:r>
+              <a:rPr lang="en-US" altLang="ko-KR" dirty="0" smtClean="0"/>
+              <a:t>/</a:t>
+            </a:r>
+            <a:r>
+              <a:rPr lang="ko-KR" altLang="en-US" dirty="0" smtClean="0"/>
+              <a:t> 수정 삭제 가능</a:t>
+            </a:r>
+            <a:endParaRPr lang="en-US" altLang="ko-KR" dirty="0" smtClean="0"/>
+          </a:p>
+          <a:p>
+            <a:r>
+              <a:rPr lang="ko-KR" altLang="en-US" dirty="0" smtClean="0"/>
+              <a:t>조회 </a:t>
+            </a:r>
+            <a:r>
+              <a:rPr lang="mr-IN" altLang="ko-KR" dirty="0" smtClean="0"/>
+              <a:t>–</a:t>
+            </a:r>
+            <a:r>
+              <a:rPr lang="ko-KR" altLang="en-US" dirty="0" smtClean="0"/>
+              <a:t> 작성 일 시 기준 최신 리스트 출력</a:t>
+            </a:r>
+            <a:r>
+              <a:rPr lang="en-US" altLang="ko-KR" dirty="0" smtClean="0"/>
+              <a:t>(</a:t>
+            </a:r>
+            <a:r>
+              <a:rPr lang="ko-KR" altLang="en-US" dirty="0" smtClean="0"/>
+              <a:t>스크롤</a:t>
+            </a:r>
+            <a:r>
+              <a:rPr lang="en-US" altLang="ko-KR" dirty="0" smtClean="0"/>
+              <a:t>)</a:t>
+            </a:r>
+          </a:p>
+          <a:p>
+            <a:r>
+              <a:rPr lang="ko-KR" altLang="en-US" dirty="0" smtClean="0"/>
+              <a:t>해시태그 기반 다이어리 검색 가능 </a:t>
+            </a:r>
+            <a:r>
+              <a:rPr lang="en-US" altLang="ko-KR" dirty="0" smtClean="0"/>
+              <a:t>(</a:t>
+            </a:r>
+            <a:r>
+              <a:rPr lang="ko-KR" altLang="en-US" dirty="0" smtClean="0"/>
+              <a:t>제목</a:t>
+            </a:r>
+            <a:r>
+              <a:rPr lang="en-US" altLang="ko-KR" dirty="0" smtClean="0"/>
               <a:t>,</a:t>
             </a:r>
             <a:r>
-              <a:rPr kumimoji="1" lang="ko-KR" altLang="en-US" dirty="0" smtClean="0"/>
-              <a:t> 활용 라이브러리</a:t>
-            </a:r>
-            <a:r>
-              <a:rPr kumimoji="1" lang="en-US" altLang="ko-KR" dirty="0" smtClean="0"/>
-              <a:t>(jQuery, Text Editor </a:t>
-            </a:r>
-            <a:r>
-              <a:rPr kumimoji="1" lang="ko-KR" altLang="en-US" dirty="0" smtClean="0"/>
-              <a:t>등</a:t>
-            </a:r>
-            <a:r>
-              <a:rPr kumimoji="1" lang="en-US" altLang="ko-KR" dirty="0" smtClean="0"/>
-              <a:t>)</a:t>
-            </a:r>
-          </a:p>
-          <a:p>
-            <a:r>
-              <a:rPr kumimoji="1" lang="ko-KR" altLang="en-US" dirty="0" smtClean="0"/>
-              <a:t>레이아웃 구성</a:t>
-            </a:r>
-            <a:r>
-              <a:rPr kumimoji="1" lang="en-US" altLang="ko-KR" dirty="0" smtClean="0"/>
-              <a:t>(</a:t>
-            </a:r>
-            <a:r>
-              <a:rPr kumimoji="1" lang="en-US" altLang="ko-KR" dirty="0" err="1" smtClean="0"/>
-              <a:t>Moboile</a:t>
-            </a:r>
-            <a:r>
-              <a:rPr kumimoji="1" lang="en-US" altLang="ko-KR" dirty="0" smtClean="0"/>
-              <a:t> &lt;-&gt; Other </a:t>
-            </a:r>
-            <a:r>
-              <a:rPr kumimoji="1" lang="ko-KR" altLang="en-US" dirty="0" smtClean="0"/>
-              <a:t>간 관계 등</a:t>
-            </a:r>
-            <a:r>
-              <a:rPr kumimoji="1" lang="en-US" altLang="ko-KR" dirty="0" smtClean="0"/>
-              <a:t>)</a:t>
-            </a:r>
-          </a:p>
-          <a:p>
-            <a:r>
-              <a:rPr kumimoji="1" lang="ko-KR" altLang="en-US" dirty="0" smtClean="0"/>
-              <a:t>기능 별 라이브러리 활용 내용 </a:t>
-            </a:r>
-            <a:endParaRPr kumimoji="1" lang="en-US" altLang="ko-KR" dirty="0"/>
-          </a:p>
-          <a:p>
-            <a:r>
-              <a:rPr kumimoji="1" lang="en-US" altLang="ko-KR" dirty="0" smtClean="0"/>
-              <a:t>Firebase </a:t>
-            </a:r>
-            <a:r>
-              <a:rPr kumimoji="1" lang="ko-KR" altLang="en-US" dirty="0" smtClean="0"/>
-              <a:t>내 다이어리 저장방식</a:t>
-            </a:r>
-            <a:r>
-              <a:rPr kumimoji="1" lang="en-US" altLang="ko-KR" dirty="0" smtClean="0"/>
-              <a:t>,</a:t>
-            </a:r>
-            <a:r>
-              <a:rPr kumimoji="1" lang="ko-KR" altLang="en-US" dirty="0" smtClean="0"/>
-              <a:t> 이미지 저장 방식</a:t>
-            </a:r>
-            <a:endParaRPr kumimoji="1" lang="en-US" altLang="ko-KR" dirty="0" smtClean="0"/>
-          </a:p>
-          <a:p>
-            <a:r>
-              <a:rPr kumimoji="1" lang="ko-KR" altLang="en-US" dirty="0" smtClean="0"/>
-              <a:t>레이아웃 </a:t>
-            </a:r>
-            <a:r>
-              <a:rPr kumimoji="1" lang="mr-IN" altLang="ko-KR" dirty="0" smtClean="0"/>
-              <a:t>–</a:t>
-            </a:r>
-            <a:r>
-              <a:rPr kumimoji="1" lang="ko-KR" altLang="en-US" dirty="0" smtClean="0"/>
-              <a:t> 반응형</a:t>
-            </a:r>
-            <a:r>
-              <a:rPr kumimoji="1" lang="en-US" altLang="ko-KR" dirty="0" smtClean="0"/>
-              <a:t>,</a:t>
-            </a:r>
-            <a:r>
-              <a:rPr kumimoji="1" lang="ko-KR" altLang="en-US" dirty="0" smtClean="0"/>
-              <a:t> </a:t>
-            </a:r>
-            <a:r>
-              <a:rPr kumimoji="1" lang="en-US" altLang="ko-KR" dirty="0" err="1" smtClean="0"/>
-              <a:t>css</a:t>
-            </a:r>
-            <a:r>
-              <a:rPr kumimoji="1" lang="ko-KR" altLang="en-US" dirty="0" smtClean="0"/>
-              <a:t> </a:t>
-            </a:r>
-            <a:r>
-              <a:rPr kumimoji="1" lang="en-US" altLang="ko-KR" dirty="0" smtClean="0"/>
-              <a:t>Framework,</a:t>
-            </a:r>
-            <a:r>
-              <a:rPr kumimoji="1" lang="ko-KR" altLang="en-US" dirty="0" smtClean="0"/>
-              <a:t> 페이지 디자인 ㅏㅈ유</a:t>
-            </a:r>
-            <a:endParaRPr kumimoji="1" lang="en-US" altLang="ko-KR" dirty="0" smtClean="0"/>
-          </a:p>
-          <a:p>
-            <a:r>
-              <a:rPr kumimoji="1" lang="ko-KR" altLang="en-US" dirty="0" smtClean="0"/>
-              <a:t>다이어리 </a:t>
-            </a:r>
-            <a:r>
-              <a:rPr kumimoji="1" lang="mr-IN" altLang="ko-KR" dirty="0" smtClean="0"/>
-              <a:t>–</a:t>
-            </a:r>
-            <a:r>
-              <a:rPr kumimoji="1" lang="ko-KR" altLang="en-US" dirty="0" smtClean="0"/>
-              <a:t> 작성</a:t>
-            </a:r>
-            <a:r>
-              <a:rPr kumimoji="1" lang="en-US" altLang="ko-KR" dirty="0" smtClean="0"/>
-              <a:t>-</a:t>
-            </a:r>
-            <a:r>
-              <a:rPr kumimoji="1" lang="ko-KR" altLang="en-US" dirty="0" smtClean="0"/>
-              <a:t>제목 </a:t>
-            </a:r>
-            <a:r>
-              <a:rPr kumimoji="1" lang="en-US" altLang="ko-KR" dirty="0" smtClean="0"/>
-              <a:t>/</a:t>
-            </a:r>
-            <a:r>
-              <a:rPr kumimoji="1" lang="ko-KR" altLang="en-US" dirty="0" smtClean="0"/>
-              <a:t>본문</a:t>
-            </a:r>
-            <a:r>
-              <a:rPr kumimoji="1" lang="en-US" altLang="ko-KR" dirty="0" smtClean="0"/>
-              <a:t>/</a:t>
-            </a:r>
-            <a:r>
-              <a:rPr kumimoji="1" lang="ko-KR" altLang="en-US" dirty="0" smtClean="0"/>
-              <a:t>작성일시</a:t>
-            </a:r>
-            <a:r>
-              <a:rPr kumimoji="1" lang="en-US" altLang="ko-KR" dirty="0" smtClean="0"/>
-              <a:t>/</a:t>
-            </a:r>
-            <a:r>
-              <a:rPr kumimoji="1" lang="ko-KR" altLang="en-US" dirty="0" smtClean="0"/>
-              <a:t>해시태그</a:t>
-            </a:r>
-            <a:endParaRPr kumimoji="1" lang="en-US" altLang="ko-KR" dirty="0" smtClean="0"/>
-          </a:p>
-          <a:p>
-            <a:r>
-              <a:rPr kumimoji="1" lang="ko-KR" altLang="en-US" dirty="0" smtClean="0"/>
-              <a:t>이미지 동영상 파일 첨부 가능</a:t>
-            </a:r>
-            <a:r>
-              <a:rPr kumimoji="1" lang="en-US" altLang="ko-KR" dirty="0" smtClean="0"/>
-              <a:t>/</a:t>
-            </a:r>
-            <a:r>
-              <a:rPr kumimoji="1" lang="ko-KR" altLang="en-US" dirty="0" smtClean="0"/>
-              <a:t> 수정 삭제 가능</a:t>
-            </a:r>
-            <a:endParaRPr kumimoji="1" lang="en-US" altLang="ko-KR" dirty="0" smtClean="0"/>
-          </a:p>
-          <a:p>
-            <a:r>
-              <a:rPr kumimoji="1" lang="ko-KR" altLang="en-US" dirty="0" smtClean="0"/>
-              <a:t>조회 </a:t>
-            </a:r>
-            <a:r>
-              <a:rPr kumimoji="1" lang="mr-IN" altLang="ko-KR" dirty="0" smtClean="0"/>
-              <a:t>–</a:t>
-            </a:r>
-            <a:r>
-              <a:rPr kumimoji="1" lang="ko-KR" altLang="en-US" dirty="0" smtClean="0"/>
-              <a:t> 작성 일 시 기준 최신 리스트 출력</a:t>
-            </a:r>
-            <a:r>
-              <a:rPr kumimoji="1" lang="en-US" altLang="ko-KR" dirty="0" smtClean="0"/>
-              <a:t>(</a:t>
-            </a:r>
-            <a:r>
-              <a:rPr kumimoji="1" lang="ko-KR" altLang="en-US" dirty="0" smtClean="0"/>
-              <a:t>스크롤</a:t>
-            </a:r>
-            <a:r>
-              <a:rPr kumimoji="1" lang="en-US" altLang="ko-KR" dirty="0" smtClean="0"/>
-              <a:t>)</a:t>
-            </a:r>
-          </a:p>
-          <a:p>
-            <a:r>
-              <a:rPr kumimoji="1" lang="ko-KR" altLang="en-US" dirty="0" smtClean="0"/>
-              <a:t>해시태그 기반 다이어리 검색 가능 </a:t>
-            </a:r>
-            <a:r>
-              <a:rPr kumimoji="1" lang="en-US" altLang="ko-KR" dirty="0" smtClean="0"/>
-              <a:t>(</a:t>
-            </a:r>
-            <a:r>
-              <a:rPr kumimoji="1" lang="ko-KR" altLang="en-US" dirty="0" smtClean="0"/>
-              <a:t>제목</a:t>
-            </a:r>
-            <a:r>
-              <a:rPr kumimoji="1" lang="en-US" altLang="ko-KR" dirty="0" smtClean="0"/>
-              <a:t>,</a:t>
-            </a:r>
-            <a:r>
-              <a:rPr kumimoji="1" lang="ko-KR" altLang="en-US" dirty="0" smtClean="0"/>
-              <a:t> 본문 내용</a:t>
-            </a:r>
-            <a:r>
-              <a:rPr kumimoji="1" lang="ko-KR" altLang="en-US" dirty="0"/>
-              <a:t> </a:t>
-            </a:r>
-            <a:r>
-              <a:rPr kumimoji="1" lang="ko-KR" altLang="en-US" dirty="0" smtClean="0"/>
-              <a:t>조회 </a:t>
-            </a:r>
-            <a:r>
-              <a:rPr kumimoji="1" lang="en-US" altLang="ko-KR" dirty="0" smtClean="0"/>
+              <a:rPr lang="ko-KR" altLang="en-US" dirty="0" smtClean="0"/>
+              <a:t> 본문 내용 조회 </a:t>
+            </a:r>
+            <a:r>
+              <a:rPr lang="en-US" altLang="ko-KR" dirty="0" smtClean="0"/>
               <a:t>x)</a:t>
             </a:r>
-            <a:endParaRPr kumimoji="1" lang="en-US" altLang="ko-KR" dirty="0"/>
+            <a:endParaRPr lang="en-US" altLang="ko-KR" dirty="0"/>
           </a:p>
         </p:txBody>
       </p:sp>
@@ -3766,8 +3926,12 @@
           <a:lstStyle/>
           <a:p>
             <a:r>
-              <a:rPr kumimoji="1" lang="en-US" altLang="ko-KR" dirty="0" smtClean="0"/>
-              <a:t>1. Bootstrap</a:t>
+              <a:rPr kumimoji="1" lang="en-US" altLang="ko-KR" dirty="0"/>
+              <a:t>2</a:t>
+            </a:r>
+            <a:r>
+              <a:rPr kumimoji="1" lang="en-US" altLang="ko-KR" dirty="0" smtClean="0"/>
+              <a:t>. Bootstrap</a:t>
             </a:r>
             <a:r>
               <a:rPr kumimoji="1" lang="ko-KR" altLang="en-US" dirty="0" smtClean="0"/>
@@ -3849,7 +4013,6 @@
               <a:rPr kumimoji="1" lang="en-US" altLang="ko-KR" dirty="0" smtClean="0"/>
               <a:t>.</a:t>
             </a:r>
-            <a:endParaRPr kumimoji="1" lang="en-US" altLang="ko-KR" dirty="0" smtClean="0"/>
           </a:p>
         </p:txBody>
       </p:sp>
@@ -3945,11 +4108,24 @@
             <p:ph type="title"/>
           </p:nvPr>
         </p:nvSpPr>
-        <p:spPr/>
-        <p:txBody>
-          <a:bodyPr/>
-          <a:lstStyle/>
-          <a:p>
+        <p:spPr>
+          <a:xfrm>
+            <a:off x="838200" y="365125"/>
+            <a:ext cx="10515600" cy="1325563"/>
+          </a:xfrm>
+        </p:spPr>
+        <p:txBody>
+          <a:bodyPr/>
+          <a:lstStyle/>
+          <a:p>
+            <a:r>
+              <a:rPr kumimoji="1" lang="en-US" altLang="ko-KR" dirty="0" smtClean="0"/>
+              <a:t>3.</a:t>
+            </a:r>
+            <a:r>
+              <a:rPr kumimoji="1" lang="ko-KR" altLang="en-US" dirty="0" smtClean="0"/>
+              <a:t> </a:t>
+            </a:r>
             <a:r>
               <a:rPr kumimoji="1" lang="en-US" altLang="ko-KR" dirty="0" err="1" smtClean="0"/>
               <a:t>Ck</a:t>
@@ -4039,11 +4215,7 @@
             </a:r>
             <a:r>
               <a:rPr kumimoji="1" lang="ko-KR" altLang="en-US" dirty="0" smtClean="0"/>
-              <a:t> </a:t>
-            </a:r>
-            <a:r>
-              <a:rPr kumimoji="1" lang="ko-KR" altLang="en-US" dirty="0" smtClean="0"/>
-              <a:t>우선 </a:t>
+              <a:t> 우선 </a:t>
             </a:r>
             <a:r>
               <a:rPr kumimoji="1" lang="en-US" altLang="ko-KR" dirty="0" smtClean="0"/>
@@ -4124,6 +4296,14 @@
           <a:p>
             <a:r>
               <a:rPr kumimoji="1" lang="en-US" altLang="ko-KR" dirty="0" smtClean="0"/>
+              <a:t>4.</a:t>
+            </a:r>
+            <a:r>
+              <a:rPr kumimoji="1" lang="ko-KR" altLang="en-US" dirty="0" smtClean="0"/>
+              <a:t> </a:t>
+            </a:r>
+            <a:r>
+              <a:rPr kumimoji="1" lang="en-US" altLang="ko-KR" dirty="0" smtClean="0"/>
               <a:t>Firebase</a:t>
             </a:r>
             <a:r>
@@ -4195,11 +4375,7 @@
             </a:r>
             <a:r>
               <a:rPr kumimoji="1" lang="ko-KR" altLang="en-US" dirty="0" smtClean="0"/>
-              <a:t> </a:t>
-            </a:r>
-            <a:r>
-              <a:rPr kumimoji="1" lang="ko-KR" altLang="en-US" dirty="0" smtClean="0"/>
-              <a:t>그래서 겨우겨우 찾은 강좌가 인프런이란 사이트에 나와있는 간단한 메모 만드는 강의였습니다</a:t>
+              <a:t> 그래서 겨우겨우 찾은 강좌가 인프런이란 사이트에 나와있는 간단한 메모 만드는 강의였습니다</a:t>
             </a:r>
             <a:r>
               <a:rPr kumimoji="1" lang="en-US" altLang="ko-KR" dirty="0" smtClean="0"/>
@@ -4213,7 +4389,6 @@
               <a:rPr kumimoji="1" lang="en-US" altLang="ko-KR" dirty="0" smtClean="0"/>
               <a:t>.</a:t>
             </a:r>
-            <a:endParaRPr kumimoji="1" lang="en-US" altLang="ko-KR" dirty="0" smtClean="0"/>
           </a:p>
           <a:p>
             <a:r>
@@ -4363,7 +4538,31 @@
           <a:bodyPr/>
           <a:lstStyle/>
           <a:p>
-            <a:endParaRPr kumimoji="1" lang="ko-KR" altLang="en-US"/>
+            <a:r>
+              <a:rPr kumimoji="1" lang="en-US" altLang="ko-KR" dirty="0" smtClean="0"/>
+              <a:t>5.Firebase </a:t>
+            </a:r>
+            <a:r>
+              <a:rPr kumimoji="1" lang="mr-IN" altLang="ko-KR" dirty="0" smtClean="0"/>
+              <a:t>–</a:t>
+            </a:r>
+            <a:r>
+              <a:rPr kumimoji="1" lang="en-US" altLang="ko-KR" dirty="0" smtClean="0"/>
+              <a:t> memo</a:t>
+            </a:r>
+            <a:r>
+              <a:rPr kumimoji="1" lang="ko-KR" altLang="en-US" dirty="0" smtClean="0"/>
+              <a:t> </a:t>
+            </a:r>
+            <a:r>
+              <a:rPr kumimoji="1" lang="en-US" altLang="ko-KR" dirty="0" smtClean="0"/>
+              <a:t>web</a:t>
+            </a:r>
+            <a:r>
+              <a:rPr kumimoji="1" lang="ko-KR" altLang="en-US" dirty="0" smtClean="0"/>
+              <a:t> 설명</a:t>
+            </a:r>
+            <a:endParaRPr kumimoji="1" lang="ko-KR" altLang="en-US" dirty="0"/>
           </a:p>
         </p:txBody>
       </p:sp>
@@ -4379,10 +4578,200 @@
         </p:nvSpPr>
         <p:spPr/>
         <p:txBody>
-          <a:bodyPr/>
-          <a:lstStyle/>
-          <a:p>
-            <a:endParaRPr kumimoji="1" lang="ko-KR" altLang="en-US"/>
+          <a:bodyPr>
+            <a:normAutofit fontScale="92500" lnSpcReduction="10000"/>
+          </a:bodyPr>
+          <a:lstStyle/>
+          <a:p>
+            <a:pPr marR="0" lvl="0" defTabSz="914400" eaLnBrk="1" fontAlgn="auto" latinLnBrk="0" hangingPunct="1">
+              <a:lnSpc>
+                <a:spcPct val="100000"/>
+              </a:lnSpc>
+              <a:spcBef>
+                <a:spcPts val="0"/>
+              </a:spcBef>
+              <a:spcAft>
+                <a:spcPts val="0"/>
+              </a:spcAft>
+              <a:buClrTx/>
+              <a:buSzTx/>
+              <a:buFontTx/>
+              <a:buChar char="-"/>
+              <a:tabLst/>
+              <a:defRPr/>
+            </a:pPr>
+            <a:r>
+              <a:rPr kumimoji="1" lang="ko-KR" altLang="en-US" dirty="0" smtClean="0"/>
+              <a:t>우선 구글 계정으로 로그인이 가능하게 구성했고</a:t>
+            </a:r>
+            <a:r>
+              <a:rPr kumimoji="1" lang="en-US" altLang="ko-KR" dirty="0" smtClean="0"/>
+              <a:t>,</a:t>
+            </a:r>
+            <a:r>
+              <a:rPr kumimoji="1" lang="ko-KR" altLang="en-US" dirty="0" smtClean="0"/>
+              <a:t> 엔터를 누르면 작성이 완료됩니다</a:t>
+            </a:r>
+            <a:r>
+              <a:rPr kumimoji="1" lang="en-US" altLang="ko-KR" dirty="0" smtClean="0"/>
+              <a:t>.</a:t>
+            </a:r>
+            <a:r>
+              <a:rPr kumimoji="1" lang="ko-KR" altLang="en-US" dirty="0" smtClean="0"/>
+              <a:t> 파란색 버튼을 클릭하면 이전 페이지로 돌아가게 되는 걸로 수정하였습니다</a:t>
+            </a:r>
+            <a:r>
+              <a:rPr kumimoji="1" lang="en-US" altLang="ko-KR" dirty="0" smtClean="0"/>
+              <a:t>.</a:t>
+            </a:r>
+            <a:r>
+              <a:rPr kumimoji="1" lang="ko-KR" altLang="en-US" dirty="0" smtClean="0"/>
+              <a:t> 빨간색 버튼을 누르면 메모가 등록이 됩니다</a:t>
+            </a:r>
+            <a:r>
+              <a:rPr kumimoji="1" lang="en-US" altLang="ko-KR" dirty="0" smtClean="0"/>
+              <a:t>.</a:t>
+            </a:r>
+            <a:r>
+              <a:rPr kumimoji="1" lang="ko-KR" altLang="en-US" dirty="0" smtClean="0"/>
+              <a:t> </a:t>
+            </a:r>
+            <a:r>
+              <a:rPr kumimoji="1" lang="en-US" altLang="ko-KR" dirty="0" smtClean="0"/>
+              <a:t>Deploy</a:t>
+            </a:r>
+            <a:r>
+              <a:rPr kumimoji="1" lang="ko-KR" altLang="en-US" dirty="0" smtClean="0"/>
+              <a:t>를 해서 </a:t>
+            </a:r>
+            <a:r>
+              <a:rPr kumimoji="1" lang="en-US" altLang="ko-KR" dirty="0" err="1" smtClean="0"/>
+              <a:t>url</a:t>
+            </a:r>
+            <a:r>
+              <a:rPr kumimoji="1" lang="ko-KR" altLang="en-US" dirty="0" smtClean="0"/>
+              <a:t>을 공유했습니다</a:t>
+            </a:r>
+            <a:r>
+              <a:rPr kumimoji="1" lang="en-US" altLang="ko-KR" dirty="0" smtClean="0"/>
+              <a:t>.</a:t>
+            </a:r>
+          </a:p>
+          <a:p>
+            <a:pPr marR="0" lvl="0" defTabSz="914400" eaLnBrk="1" fontAlgn="auto" latinLnBrk="0" hangingPunct="1">
+              <a:lnSpc>
+                <a:spcPct val="100000"/>
+              </a:lnSpc>
+              <a:spcBef>
+                <a:spcPts val="0"/>
+              </a:spcBef>
+              <a:spcAft>
+                <a:spcPts val="0"/>
+              </a:spcAft>
+              <a:buClrTx/>
+              <a:buSzTx/>
+              <a:buFontTx/>
+              <a:buChar char="-"/>
+              <a:tabLst/>
+              <a:defRPr/>
+            </a:pPr>
+            <a:endParaRPr kumimoji="1" lang="en-US" altLang="ko-KR" dirty="0"/>
+          </a:p>
+          <a:p>
+            <a:pPr marR="0" lvl="0" defTabSz="914400" eaLnBrk="1" fontAlgn="auto" latinLnBrk="0" hangingPunct="1">
+              <a:lnSpc>
+                <a:spcPct val="100000"/>
+              </a:lnSpc>
+              <a:spcBef>
+                <a:spcPts val="0"/>
+              </a:spcBef>
+              <a:spcAft>
+                <a:spcPts val="0"/>
+              </a:spcAft>
+              <a:buClrTx/>
+              <a:buSzTx/>
+              <a:buFontTx/>
+              <a:buChar char="-"/>
+              <a:tabLst/>
+              <a:defRPr/>
+            </a:pPr>
+            <a:r>
+              <a:rPr kumimoji="1" lang="ko-KR" altLang="en-US" dirty="0" smtClean="0"/>
+              <a:t>이 메모웹을 수정해서 만들어보려고 노력했습니다</a:t>
+            </a:r>
+            <a:r>
+              <a:rPr kumimoji="1" lang="en-US" altLang="ko-KR" dirty="0" smtClean="0"/>
+              <a:t>.</a:t>
+            </a:r>
+            <a:r>
+              <a:rPr kumimoji="1" lang="ko-KR" altLang="en-US" dirty="0" smtClean="0"/>
+              <a:t> 그런데</a:t>
+            </a:r>
+            <a:r>
+              <a:rPr kumimoji="1" lang="en-US" altLang="ko-KR" dirty="0" smtClean="0"/>
+              <a:t>,</a:t>
+            </a:r>
+            <a:r>
+              <a:rPr kumimoji="1" lang="ko-KR" altLang="en-US" dirty="0" smtClean="0"/>
+              <a:t> 꽤 오랜시간 투자를 했음에도 불구하고</a:t>
+            </a:r>
+            <a:r>
+              <a:rPr kumimoji="1" lang="en-US" altLang="ko-KR" dirty="0" smtClean="0"/>
+              <a:t>,</a:t>
+            </a:r>
+            <a:r>
+              <a:rPr kumimoji="1" lang="ko-KR" altLang="en-US" dirty="0" smtClean="0"/>
+              <a:t> </a:t>
+            </a:r>
+            <a:r>
+              <a:rPr kumimoji="1" lang="en-US" altLang="ko-KR" dirty="0" smtClean="0"/>
+              <a:t>firebase</a:t>
+            </a:r>
+            <a:r>
+              <a:rPr kumimoji="1" lang="ko-KR" altLang="en-US" dirty="0" smtClean="0"/>
+              <a:t> 관련 서적도 전무하고</a:t>
+            </a:r>
+            <a:r>
+              <a:rPr kumimoji="1" lang="en-US" altLang="ko-KR" dirty="0" smtClean="0"/>
+              <a:t>,</a:t>
+            </a:r>
+            <a:r>
+              <a:rPr kumimoji="1" lang="ko-KR" altLang="en-US" dirty="0" smtClean="0"/>
+              <a:t> 공식문서만으로는 도저히 제가 이 이상 만드는 걸 못하겠습니다</a:t>
+            </a:r>
+            <a:r>
+              <a:rPr kumimoji="1" lang="en-US" altLang="ko-KR" dirty="0" smtClean="0"/>
+              <a:t>.</a:t>
+            </a:r>
+            <a:r>
+              <a:rPr kumimoji="1" lang="ko-KR" altLang="en-US" dirty="0" smtClean="0"/>
+              <a:t> 교수님께 질문하는 것도 무엇을 알아야 하는 건데</a:t>
+            </a:r>
+            <a:r>
+              <a:rPr kumimoji="1" lang="en-US" altLang="ko-KR" dirty="0" smtClean="0"/>
+              <a:t>,</a:t>
+            </a:r>
+            <a:r>
+              <a:rPr kumimoji="1" lang="ko-KR" altLang="en-US" dirty="0" smtClean="0"/>
+              <a:t> 질문 수준 조차 만들지 못해서 과제를 제출하지 않을 수도 없고</a:t>
+            </a:r>
+            <a:r>
+              <a:rPr kumimoji="1" lang="en-US" altLang="ko-KR" dirty="0" smtClean="0"/>
+              <a:t>,</a:t>
+            </a:r>
+            <a:r>
+              <a:rPr kumimoji="1" lang="ko-KR" altLang="en-US" dirty="0" smtClean="0"/>
+              <a:t> 정말 고민이 많았습니다</a:t>
+            </a:r>
+            <a:r>
+              <a:rPr kumimoji="1" lang="en-US" altLang="ko-KR" dirty="0" smtClean="0"/>
+              <a:t>.</a:t>
+            </a:r>
+            <a:r>
+              <a:rPr kumimoji="1" lang="ko-KR" altLang="en-US" dirty="0" smtClean="0"/>
+              <a:t> </a:t>
+            </a:r>
+            <a:endParaRPr kumimoji="1" lang="ko-KR" altLang="en-US" dirty="0"/>
           </a:p>
         </p:txBody>
       </p:sp>
@@ -4390,6 +4779,583 @@
     <p:extLst>
       <p:ext uri="{BB962C8B-B14F-4D97-AF65-F5344CB8AC3E}">
         <p14:creationId xmlns:p14="http://schemas.microsoft.com/office/powerpoint/2010/main" val="2101348445"/>
+      </p:ext>
+    </p:extLst>
+  </p:cSld>
+  <p:clrMapOvr>
+    <a:masterClrMapping/>
+  </p:clrMapOvr>
+</p:sld>
+</file>
+
+<file path=ppt/slides/slide7.xml><?xml version="1.0" encoding="utf-8"?>
+<p:sld xmlns:a="http://schemas.openxmlformats.org/drawingml/2006/main" xmlns:r="http://schemas.openxmlformats.org/officeDocument/2006/relationships" xmlns:p="http://schemas.openxmlformats.org/presentationml/2006/main">
+  <p:cSld>
+    <p:spTree>
+      <p:nvGrpSpPr>
+        <p:cNvPr id="1" name=""/>
+        <p:cNvGrpSpPr/>
+        <p:nvPr/>
+      </p:nvGrpSpPr>
+      <p:grpSpPr>
+        <a:xfrm>
+          <a:off x="0" y="0"/>
+          <a:ext cx="0" cy="0"/>
+          <a:chOff x="0" y="0"/>
+          <a:chExt cx="0" cy="0"/>
+        </a:xfrm>
+      </p:grpSpPr>
+      <p:sp>
+        <p:nvSpPr>
+          <p:cNvPr id="2" name="제목 1"/>
+          <p:cNvSpPr>
+            <a:spLocks noGrp="1"/>
+          </p:cNvSpPr>
+          <p:nvPr>
+            <p:ph type="title"/>
+          </p:nvPr>
+        </p:nvSpPr>
+        <p:spPr/>
+        <p:txBody>
+          <a:bodyPr/>
+          <a:lstStyle/>
+          <a:p>
+            <a:r>
+              <a:rPr kumimoji="1" lang="en-US" altLang="ko-KR" dirty="0" smtClean="0"/>
+              <a:t>-</a:t>
+            </a:r>
+            <a:r>
+              <a:rPr kumimoji="1" lang="ko-KR" altLang="en-US" dirty="0" smtClean="0"/>
+              <a:t> 어떻게 과제를 해야할까</a:t>
+            </a:r>
+            <a:r>
+              <a:rPr kumimoji="1" lang="en-US" altLang="ko-KR" dirty="0" smtClean="0"/>
+              <a:t>.</a:t>
+            </a:r>
+            <a:endParaRPr kumimoji="1" lang="ko-KR" altLang="en-US" dirty="0"/>
+          </a:p>
+        </p:txBody>
+      </p:sp>
+      <p:sp>
+        <p:nvSpPr>
+          <p:cNvPr id="3" name="내용 개체 틀 2"/>
+          <p:cNvSpPr>
+            <a:spLocks noGrp="1"/>
+          </p:cNvSpPr>
+          <p:nvPr>
+            <p:ph idx="1"/>
+          </p:nvPr>
+        </p:nvSpPr>
+        <p:spPr/>
+        <p:txBody>
+          <a:bodyPr>
+            <a:normAutofit fontScale="92500"/>
+          </a:bodyPr>
+          <a:lstStyle/>
+          <a:p>
+            <a:r>
+              <a:rPr kumimoji="1" lang="ko-KR" altLang="en-US" dirty="0" smtClean="0"/>
+              <a:t>제가 이번 학기 처음 컴퓨터공학과를 다전공해서</a:t>
+            </a:r>
+            <a:r>
+              <a:rPr kumimoji="1" lang="en-US" altLang="ko-KR" dirty="0" smtClean="0"/>
+              <a:t>,</a:t>
+            </a:r>
+            <a:r>
+              <a:rPr kumimoji="1" lang="ko-KR" altLang="en-US" dirty="0" smtClean="0"/>
+              <a:t> </a:t>
+            </a:r>
+            <a:r>
+              <a:rPr kumimoji="1" lang="en-US" altLang="ko-KR" dirty="0" smtClean="0"/>
+              <a:t>Firebase</a:t>
+            </a:r>
+            <a:r>
+              <a:rPr kumimoji="1" lang="ko-KR" altLang="en-US" dirty="0" smtClean="0"/>
+              <a:t>를 활용해서 하는 과제지만</a:t>
+            </a:r>
+            <a:r>
+              <a:rPr kumimoji="1" lang="en-US" altLang="ko-KR" dirty="0" smtClean="0"/>
+              <a:t>,</a:t>
+            </a:r>
+            <a:r>
+              <a:rPr kumimoji="1" lang="ko-KR" altLang="en-US" dirty="0" smtClean="0"/>
+              <a:t> 도저히 할 수가 없었습니다</a:t>
+            </a:r>
+            <a:r>
+              <a:rPr kumimoji="1" lang="en-US" altLang="ko-KR" dirty="0" smtClean="0"/>
+              <a:t>.</a:t>
+            </a:r>
+            <a:r>
+              <a:rPr kumimoji="1" lang="ko-KR" altLang="en-US" dirty="0" smtClean="0"/>
+              <a:t> 성적과 관계가 없더라도</a:t>
+            </a:r>
+            <a:r>
+              <a:rPr kumimoji="1" lang="en-US" altLang="ko-KR" dirty="0" smtClean="0"/>
+              <a:t>,</a:t>
+            </a:r>
+            <a:r>
+              <a:rPr kumimoji="1" lang="ko-KR" altLang="en-US" dirty="0" smtClean="0"/>
+              <a:t> 과제는 제출하는게 도리라고 생각했고 그래서</a:t>
+            </a:r>
+            <a:r>
+              <a:rPr kumimoji="1" lang="en-US" altLang="ko-KR" dirty="0" smtClean="0"/>
+              <a:t>,</a:t>
+            </a:r>
+            <a:r>
+              <a:rPr kumimoji="1" lang="ko-KR" altLang="en-US" dirty="0" smtClean="0"/>
+              <a:t> 루비온 레일즈라는 백엔드를 빌려서 만들어보기로 했습니다</a:t>
+            </a:r>
+            <a:r>
+              <a:rPr kumimoji="1" lang="en-US" altLang="ko-KR" dirty="0" smtClean="0"/>
+              <a:t>.</a:t>
+            </a:r>
+          </a:p>
+          <a:p>
+            <a:endParaRPr kumimoji="1" lang="en-US" altLang="ko-KR" dirty="0"/>
+          </a:p>
+          <a:p>
+            <a:r>
+              <a:rPr kumimoji="1" lang="ko-KR" altLang="en-US" dirty="0" smtClean="0"/>
+              <a:t>루비온 레일즈를 방학 때</a:t>
+            </a:r>
+            <a:r>
+              <a:rPr kumimoji="1" lang="en-US" altLang="ko-KR" dirty="0" smtClean="0"/>
+              <a:t>,</a:t>
+            </a:r>
+            <a:r>
+              <a:rPr kumimoji="1" lang="ko-KR" altLang="en-US" dirty="0" smtClean="0"/>
+              <a:t> 혼자서 잠깐 공부했었는데</a:t>
+            </a:r>
+            <a:r>
+              <a:rPr kumimoji="1" lang="en-US" altLang="ko-KR" dirty="0" smtClean="0"/>
+              <a:t>,</a:t>
+            </a:r>
+            <a:r>
+              <a:rPr kumimoji="1" lang="ko-KR" altLang="en-US" dirty="0" smtClean="0"/>
+              <a:t> 이번에 과제를 하면서 엄청 많이 배웠습니다</a:t>
+            </a:r>
+            <a:r>
+              <a:rPr kumimoji="1" lang="en-US" altLang="ko-KR" dirty="0" smtClean="0"/>
+              <a:t>.</a:t>
+            </a:r>
+            <a:r>
+              <a:rPr kumimoji="1" lang="ko-KR" altLang="en-US" dirty="0" smtClean="0"/>
+              <a:t>  </a:t>
+            </a:r>
+            <a:endParaRPr kumimoji="1" lang="en-US" altLang="ko-KR" dirty="0" smtClean="0"/>
+          </a:p>
+          <a:p>
+            <a:endParaRPr kumimoji="1" lang="en-US" altLang="ko-KR" dirty="0"/>
+          </a:p>
+          <a:p>
+            <a:r>
+              <a:rPr kumimoji="1" lang="ko-KR" altLang="en-US" dirty="0" smtClean="0"/>
+              <a:t>루비온 레일즈로 다 구현을 하고</a:t>
+            </a:r>
+            <a:r>
+              <a:rPr kumimoji="1" lang="en-US" altLang="ko-KR" dirty="0" smtClean="0"/>
+              <a:t>,</a:t>
+            </a:r>
+            <a:r>
+              <a:rPr kumimoji="1" lang="ko-KR" altLang="en-US" dirty="0" smtClean="0"/>
+              <a:t> </a:t>
+            </a:r>
+            <a:r>
+              <a:rPr kumimoji="1" lang="en-US" altLang="ko-KR" dirty="0" smtClean="0"/>
+              <a:t>firebase</a:t>
+            </a:r>
+            <a:r>
+              <a:rPr kumimoji="1" lang="ko-KR" altLang="en-US" dirty="0" smtClean="0"/>
+              <a:t> 메모 웹은 </a:t>
+            </a:r>
+            <a:r>
+              <a:rPr kumimoji="1" lang="en-US" altLang="ko-KR" dirty="0" smtClean="0"/>
+              <a:t>deploy</a:t>
+            </a:r>
+            <a:r>
+              <a:rPr kumimoji="1" lang="ko-KR" altLang="en-US" dirty="0" smtClean="0"/>
+              <a:t>하여 경로를 지정해줘서 불러오는 방식으로 하기로 결정하였습니다</a:t>
+            </a:r>
+            <a:r>
+              <a:rPr kumimoji="1" lang="en-US" altLang="ko-KR" dirty="0" smtClean="0"/>
+              <a:t>.</a:t>
+            </a:r>
+          </a:p>
+          <a:p>
+            <a:endParaRPr kumimoji="1" lang="ko-KR" altLang="en-US" dirty="0"/>
+          </a:p>
+        </p:txBody>
+      </p:sp>
+    </p:spTree>
+    <p:extLst>
+      <p:ext uri="{BB962C8B-B14F-4D97-AF65-F5344CB8AC3E}">
+        <p14:creationId xmlns:p14="http://schemas.microsoft.com/office/powerpoint/2010/main" val="903484726"/>
+      </p:ext>
+    </p:extLst>
+  </p:cSld>
+  <p:clrMapOvr>
+    <a:masterClrMapping/>
+  </p:clrMapOvr>
+</p:sld>
+</file>
+
+<file path=ppt/slides/slide8.xml><?xml version="1.0" encoding="utf-8"?>
+<p:sld xmlns:a="http://schemas.openxmlformats.org/drawingml/2006/main" xmlns:r="http://schemas.openxmlformats.org/officeDocument/2006/relationships" xmlns:p="http://schemas.openxmlformats.org/presentationml/2006/main">
+  <p:cSld>
+    <p:spTree>
+      <p:nvGrpSpPr>
+        <p:cNvPr id="1" name=""/>
+        <p:cNvGrpSpPr/>
+        <p:nvPr/>
+      </p:nvGrpSpPr>
+      <p:grpSpPr>
+        <a:xfrm>
+          <a:off x="0" y="0"/>
+          <a:ext cx="0" cy="0"/>
+          <a:chOff x="0" y="0"/>
+          <a:chExt cx="0" cy="0"/>
+        </a:xfrm>
+      </p:grpSpPr>
+      <p:sp>
+        <p:nvSpPr>
+          <p:cNvPr id="2" name="제목 1"/>
+          <p:cNvSpPr>
+            <a:spLocks noGrp="1"/>
+          </p:cNvSpPr>
+          <p:nvPr>
+            <p:ph type="title"/>
+          </p:nvPr>
+        </p:nvSpPr>
+        <p:spPr/>
+        <p:txBody>
+          <a:bodyPr/>
+          <a:lstStyle/>
+          <a:p>
+            <a:r>
+              <a:rPr kumimoji="1" lang="en-US" altLang="ko-KR" dirty="0" smtClean="0"/>
+              <a:t>1.</a:t>
+            </a:r>
+            <a:r>
+              <a:rPr kumimoji="1" lang="ko-KR" altLang="en-US" dirty="0" smtClean="0"/>
+              <a:t> </a:t>
+            </a:r>
+            <a:r>
+              <a:rPr kumimoji="1" lang="en-US" altLang="ko-KR" dirty="0" smtClean="0"/>
+              <a:t>C9.io</a:t>
+            </a:r>
+            <a:r>
+              <a:rPr kumimoji="1" lang="ko-KR" altLang="en-US" dirty="0" smtClean="0"/>
+              <a:t>를 사용하여 레일즈 만들기</a:t>
+            </a:r>
+            <a:r>
+              <a:rPr kumimoji="1" lang="en-US" altLang="ko-KR" dirty="0" smtClean="0"/>
+              <a:t>	</a:t>
+            </a:r>
+            <a:endParaRPr kumimoji="1" lang="ko-KR" altLang="en-US" dirty="0"/>
+          </a:p>
+        </p:txBody>
+      </p:sp>
+      <p:sp>
+        <p:nvSpPr>
+          <p:cNvPr id="3" name="내용 개체 틀 2"/>
+          <p:cNvSpPr>
+            <a:spLocks noGrp="1"/>
+          </p:cNvSpPr>
+          <p:nvPr>
+            <p:ph idx="1"/>
+          </p:nvPr>
+        </p:nvSpPr>
+        <p:spPr/>
+        <p:txBody>
+          <a:bodyPr/>
+          <a:lstStyle/>
+          <a:p>
+            <a:r>
+              <a:rPr kumimoji="1" lang="ko-KR" altLang="en-US" dirty="0" smtClean="0"/>
+              <a:t>우선 </a:t>
+            </a:r>
+            <a:r>
+              <a:rPr kumimoji="1" lang="en-US" altLang="ko-KR" dirty="0" smtClean="0"/>
+              <a:t>C9.io</a:t>
+            </a:r>
+            <a:r>
+              <a:rPr kumimoji="1" lang="ko-KR" altLang="en-US" dirty="0" smtClean="0"/>
+              <a:t>를 사용하여 레일즈를 만들었습니다</a:t>
+            </a:r>
+            <a:r>
+              <a:rPr kumimoji="1" lang="en-US" altLang="ko-KR" dirty="0" smtClean="0"/>
+              <a:t>.</a:t>
+            </a:r>
+            <a:r>
+              <a:rPr kumimoji="1" lang="ko-KR" altLang="en-US" dirty="0" smtClean="0"/>
+              <a:t> </a:t>
+            </a:r>
+            <a:r>
+              <a:rPr kumimoji="1" lang="ko-KR" altLang="en-US" dirty="0" smtClean="0"/>
+              <a:t>그리고 기능을 먼저 만든 뒤에 꾸미는 걸 적용하기로 하였습니다</a:t>
+            </a:r>
+            <a:r>
+              <a:rPr kumimoji="1" lang="en-US" altLang="ko-KR" dirty="0" smtClean="0"/>
+              <a:t>.</a:t>
+            </a:r>
+            <a:r>
+              <a:rPr kumimoji="1" lang="ko-KR" altLang="en-US" dirty="0" smtClean="0"/>
+              <a:t> </a:t>
+            </a:r>
+            <a:r>
+              <a:rPr kumimoji="1" lang="en-US" altLang="ko-KR" dirty="0" err="1" smtClean="0"/>
+              <a:t>Ckeditor</a:t>
+            </a:r>
+            <a:r>
+              <a:rPr kumimoji="1" lang="ko-KR" altLang="en-US" dirty="0" smtClean="0"/>
+              <a:t>를 서버하고 연동을 시키는 게 우선이고</a:t>
+            </a:r>
+            <a:r>
+              <a:rPr kumimoji="1" lang="en-US" altLang="ko-KR" dirty="0" smtClean="0"/>
+              <a:t>,</a:t>
+            </a:r>
+            <a:r>
+              <a:rPr kumimoji="1" lang="ko-KR" altLang="en-US" dirty="0" smtClean="0"/>
+              <a:t> 이미지와 동영상이 첨부될 수 있게 하고</a:t>
+            </a:r>
+            <a:r>
+              <a:rPr kumimoji="1" lang="en-US" altLang="ko-KR" dirty="0" smtClean="0"/>
+              <a:t>,</a:t>
+            </a:r>
+            <a:r>
+              <a:rPr kumimoji="1" lang="ko-KR" altLang="en-US" dirty="0" smtClean="0"/>
+              <a:t> 그 다음에 해시태그 기능을 구현할 예정입니다</a:t>
+            </a:r>
+            <a:r>
+              <a:rPr kumimoji="1" lang="en-US" altLang="ko-KR" dirty="0" smtClean="0"/>
+              <a:t>.</a:t>
+            </a:r>
+            <a:r>
+              <a:rPr kumimoji="1" lang="ko-KR" altLang="en-US" dirty="0" smtClean="0"/>
+              <a:t> 이 세 가지 기능을 </a:t>
+            </a:r>
+            <a:endParaRPr kumimoji="1" lang="ko-KR" altLang="en-US" dirty="0"/>
+          </a:p>
+        </p:txBody>
+      </p:sp>
+    </p:spTree>
+    <p:extLst>
+      <p:ext uri="{BB962C8B-B14F-4D97-AF65-F5344CB8AC3E}">
+        <p14:creationId xmlns:p14="http://schemas.microsoft.com/office/powerpoint/2010/main" val="415021923"/>
+      </p:ext>
+    </p:extLst>
+  </p:cSld>
+  <p:clrMapOvr>
+    <a:masterClrMapping/>
+  </p:clrMapOvr>
+</p:sld>
+</file>
+
+<file path=ppt/slides/slide9.xml><?xml version="1.0" encoding="utf-8"?>
+<p:sld xmlns:a="http://schemas.openxmlformats.org/drawingml/2006/main" xmlns:r="http://schemas.openxmlformats.org/officeDocument/2006/relationships" xmlns:p="http://schemas.openxmlformats.org/presentationml/2006/main">
+  <p:cSld>
+    <p:spTree>
+      <p:nvGrpSpPr>
+        <p:cNvPr id="1" name=""/>
+        <p:cNvGrpSpPr/>
+        <p:nvPr/>
+      </p:nvGrpSpPr>
+      <p:grpSpPr>
+        <a:xfrm>
+          <a:off x="0" y="0"/>
+          <a:ext cx="0" cy="0"/>
+          <a:chOff x="0" y="0"/>
+          <a:chExt cx="0" cy="0"/>
+        </a:xfrm>
+      </p:grpSpPr>
+      <p:sp>
+        <p:nvSpPr>
+          <p:cNvPr id="2" name="제목 1"/>
+          <p:cNvSpPr>
+            <a:spLocks noGrp="1"/>
+          </p:cNvSpPr>
+          <p:nvPr>
+            <p:ph type="title"/>
+          </p:nvPr>
+        </p:nvSpPr>
+        <p:spPr/>
+        <p:txBody>
+          <a:bodyPr/>
+          <a:lstStyle/>
+          <a:p>
+            <a:r>
+              <a:rPr kumimoji="1" lang="en-US" altLang="ko-KR" dirty="0" smtClean="0"/>
+              <a:t>2. Rails</a:t>
+            </a:r>
+            <a:r>
+              <a:rPr kumimoji="1" lang="ko-KR" altLang="en-US" dirty="0" smtClean="0"/>
+              <a:t>에 </a:t>
+            </a:r>
+            <a:r>
+              <a:rPr kumimoji="1" lang="en-US" altLang="ko-KR" dirty="0" err="1" smtClean="0"/>
+              <a:t>ckeditor</a:t>
+            </a:r>
+            <a:r>
+              <a:rPr kumimoji="1" lang="ko-KR" altLang="en-US" dirty="0" smtClean="0"/>
+              <a:t> 연결하기</a:t>
+            </a:r>
+            <a:endParaRPr kumimoji="1" lang="ko-KR" altLang="en-US" dirty="0"/>
+          </a:p>
+        </p:txBody>
+      </p:sp>
+      <p:sp>
+        <p:nvSpPr>
+          <p:cNvPr id="3" name="내용 개체 틀 2"/>
+          <p:cNvSpPr>
+            <a:spLocks noGrp="1"/>
+          </p:cNvSpPr>
+          <p:nvPr>
+            <p:ph idx="1"/>
+          </p:nvPr>
+        </p:nvSpPr>
+        <p:spPr/>
+        <p:txBody>
+          <a:bodyPr/>
+          <a:lstStyle/>
+          <a:p>
+            <a:r>
+              <a:rPr kumimoji="1" lang="en-US" altLang="ko-KR" dirty="0" smtClean="0">
+                <a:hlinkClick r:id="rId2"/>
+              </a:rPr>
+              <a:t>http</a:t>
+            </a:r>
+            <a:r>
+              <a:rPr kumimoji="1" lang="en-US" altLang="ko-KR" dirty="0">
+                <a:hlinkClick r:id="rId2"/>
+              </a:rPr>
+              <a:t>://andystu.github.io/blog/2015/02/26/how-to-install-and-use-ckeditor-and-paperclip-in-rails-app</a:t>
+            </a:r>
+            <a:r>
+              <a:rPr kumimoji="1" lang="en-US" altLang="ko-KR" dirty="0" smtClean="0">
+                <a:hlinkClick r:id="rId2"/>
+              </a:rPr>
+              <a:t>/</a:t>
+            </a:r>
+            <a:endParaRPr kumimoji="1" lang="en-US" altLang="ko-KR" dirty="0" smtClean="0"/>
+          </a:p>
+          <a:p>
+            <a:r>
+              <a:rPr kumimoji="1" lang="ko-KR" altLang="en-US" dirty="0" smtClean="0"/>
+              <a:t>이 사이트를 참조했습니다</a:t>
+            </a:r>
+            <a:r>
+              <a:rPr kumimoji="1" lang="en-US" altLang="ko-KR" dirty="0" smtClean="0"/>
+              <a:t>.</a:t>
+            </a:r>
+            <a:r>
+              <a:rPr kumimoji="1" lang="ko-KR" altLang="en-US" dirty="0" smtClean="0"/>
+              <a:t> 얼추 만들어봤는데</a:t>
+            </a:r>
+            <a:r>
+              <a:rPr kumimoji="1" lang="en-US" altLang="ko-KR" dirty="0" smtClean="0"/>
+              <a:t>,</a:t>
+            </a:r>
+            <a:r>
+              <a:rPr kumimoji="1" lang="ko-KR" altLang="en-US" dirty="0" smtClean="0"/>
+              <a:t> 문제가 있었습니다</a:t>
+            </a:r>
+            <a:r>
+              <a:rPr kumimoji="1" lang="en-US" altLang="ko-KR" dirty="0" smtClean="0"/>
+              <a:t>.</a:t>
+            </a:r>
+            <a:r>
+              <a:rPr kumimoji="1" lang="ko-KR" altLang="en-US" dirty="0" smtClean="0"/>
+              <a:t> </a:t>
+            </a:r>
+            <a:endParaRPr kumimoji="1" lang="en-US" altLang="ko-KR" dirty="0"/>
+          </a:p>
+          <a:p>
+            <a:r>
+              <a:rPr kumimoji="1" lang="ko-KR" altLang="en-US" dirty="0" smtClean="0"/>
+              <a:t>첫 번째 문제는 </a:t>
+            </a:r>
+            <a:r>
+              <a:rPr kumimoji="1" lang="en-US" altLang="ko-KR" dirty="0" err="1" smtClean="0"/>
+              <a:t>ckeditro</a:t>
+            </a:r>
+            <a:r>
+              <a:rPr kumimoji="1" lang="ko-KR" altLang="en-US" dirty="0" smtClean="0"/>
+              <a:t>를 사용해서 내용을 저장하면 </a:t>
+            </a:r>
+            <a:r>
+              <a:rPr kumimoji="1" lang="en-US" altLang="ko-KR" dirty="0" smtClean="0"/>
+              <a:t>&lt;p&gt;</a:t>
+            </a:r>
+            <a:r>
+              <a:rPr kumimoji="1" lang="ko-KR" altLang="en-US" dirty="0" smtClean="0"/>
+              <a:t>태그가 자동으로 찍힌다는 문제였습니다</a:t>
+            </a:r>
+            <a:r>
+              <a:rPr kumimoji="1" lang="en-US" altLang="ko-KR" dirty="0" smtClean="0"/>
+              <a:t>.</a:t>
+            </a:r>
+          </a:p>
+          <a:p>
+            <a:r>
+              <a:rPr kumimoji="1" lang="en-US" altLang="ko-KR" dirty="0"/>
+              <a:t>P </a:t>
+            </a:r>
+            <a:r>
+              <a:rPr kumimoji="1" lang="ko-KR" altLang="en-US" dirty="0"/>
+              <a:t>태그가 계속 보였던 문제는  내용을 가져올 때</a:t>
+            </a:r>
+            <a:r>
+              <a:rPr kumimoji="1" lang="en-US" altLang="ko-KR" dirty="0"/>
+              <a:t>, _safe</a:t>
+            </a:r>
+            <a:r>
+              <a:rPr kumimoji="1" lang="ko-KR" altLang="en-US" dirty="0"/>
+              <a:t>를 추가함으로써 해결할 수 있었습니다</a:t>
+            </a:r>
+            <a:r>
+              <a:rPr kumimoji="1" lang="en-US" altLang="ko-KR" dirty="0"/>
+              <a:t>.</a:t>
+            </a:r>
+          </a:p>
+          <a:p>
+            <a:endParaRPr kumimoji="1" lang="en-US" altLang="ko-KR" dirty="0" smtClean="0"/>
+          </a:p>
+        </p:txBody>
+      </p:sp>
+      <p:pic>
+        <p:nvPicPr>
+          <p:cNvPr id="5" name="내용 개체 틀 3"/>
+          <p:cNvPicPr>
+            <a:picLocks noChangeAspect="1"/>
+          </p:cNvPicPr>
+          <p:nvPr/>
+        </p:nvPicPr>
+        <p:blipFill>
+          <a:blip r:embed="rId3">
+            <a:extLst>
+              <a:ext uri="{28A0092B-C50C-407E-A947-70E740481C1C}">
+                <a14:useLocalDpi xmlns:a14="http://schemas.microsoft.com/office/drawing/2010/main" val="0"/>
+              </a:ext>
+            </a:extLst>
+          </a:blip>
+          <a:stretch>
+            <a:fillRect/>
+          </a:stretch>
+        </p:blipFill>
+        <p:spPr>
+          <a:xfrm>
+            <a:off x="6539484" y="5215001"/>
+            <a:ext cx="4038600" cy="647700"/>
+          </a:xfrm>
+          <a:prstGeom prst="rect">
+            <a:avLst/>
+          </a:prstGeom>
+        </p:spPr>
+      </p:pic>
+    </p:spTree>
+    <p:extLst>
+      <p:ext uri="{BB962C8B-B14F-4D97-AF65-F5344CB8AC3E}">
+        <p14:creationId xmlns:p14="http://schemas.microsoft.com/office/powerpoint/2010/main" val="1105910490"/>
       </p:ext>
     </p:extLst>
   </p:cSld>
